--- a/Slides.pptx
+++ b/Slides.pptx
@@ -17,28 +17,27 @@
     <p:sldId id="262" r:id="rId11"/>
     <p:sldId id="263" r:id="rId12"/>
     <p:sldId id="264" r:id="rId13"/>
-    <p:sldId id="265" r:id="rId14"/>
   </p:sldIdLst>
   <p:sldSz cy="5143500" cx="9144000"/>
   <p:notesSz cx="6858000" cy="9144000"/>
   <p:embeddedFontLst>
     <p:embeddedFont>
       <p:font typeface="Roboto"/>
-      <p:regular r:id="rId15"/>
-      <p:bold r:id="rId16"/>
-      <p:italic r:id="rId17"/>
-      <p:boldItalic r:id="rId18"/>
+      <p:regular r:id="rId14"/>
+      <p:bold r:id="rId15"/>
+      <p:italic r:id="rId16"/>
+      <p:boldItalic r:id="rId17"/>
     </p:embeddedFont>
     <p:embeddedFont>
       <p:font typeface="Abril Fatface"/>
-      <p:regular r:id="rId19"/>
+      <p:regular r:id="rId18"/>
     </p:embeddedFont>
     <p:embeddedFont>
       <p:font typeface="Roboto Mono"/>
-      <p:regular r:id="rId20"/>
-      <p:bold r:id="rId21"/>
-      <p:italic r:id="rId22"/>
-      <p:boldItalic r:id="rId23"/>
+      <p:regular r:id="rId19"/>
+      <p:bold r:id="rId20"/>
+      <p:italic r:id="rId21"/>
+      <p:boldItalic r:id="rId22"/>
     </p:embeddedFont>
   </p:embeddedFontLst>
   <p:defaultTextStyle>
@@ -718,7 +717,7 @@
       </p:grpSpPr>
       <p:sp>
         <p:nvSpPr>
-          <p:cNvPr id="157" name="Google Shape;157;g2b4e93dfc2a_59_7:notes"/>
+          <p:cNvPr id="157" name="Google Shape;157;g2b4e93dfc2a_4_7:notes"/>
           <p:cNvSpPr/>
           <p:nvPr>
             <p:ph idx="2" type="sldImg"/>
@@ -753,7 +752,7 @@
       </p:sp>
       <p:sp>
         <p:nvSpPr>
-          <p:cNvPr id="158" name="Google Shape;158;g2b4e93dfc2a_59_7:notes"/>
+          <p:cNvPr id="158" name="Google Shape;158;g2b4e93dfc2a_4_7:notes"/>
           <p:cNvSpPr txBox="1"/>
           <p:nvPr>
             <p:ph idx="1" type="body"/>
@@ -798,12 +797,12 @@
 </p:notes>
 </file>
 
-<file path=ppt/notesSlides/notesSlide10.xml><?xml version="1.0" encoding="utf-8"?>
+<file path=ppt/notesSlides/notesSlide2.xml><?xml version="1.0" encoding="utf-8"?>
 <p:notes xmlns:a="http://schemas.openxmlformats.org/drawingml/2006/main" xmlns:r="http://schemas.openxmlformats.org/officeDocument/2006/relationships" xmlns:mc="http://schemas.openxmlformats.org/markup-compatibility/2006" xmlns:mv="urn:schemas-microsoft-com:mac:vml" xmlns:p="http://schemas.openxmlformats.org/presentationml/2006/main" xmlns:c="http://schemas.openxmlformats.org/drawingml/2006/chart" xmlns:dgm="http://schemas.openxmlformats.org/drawingml/2006/diagram" xmlns:o="urn:schemas-microsoft-com:office:office" xmlns:v="urn:schemas-microsoft-com:vml" xmlns:pvml="urn:schemas-microsoft-com:office:powerpoint" xmlns:com="http://schemas.openxmlformats.org/drawingml/2006/compatibility" xmlns:p14="http://schemas.microsoft.com/office/powerpoint/2010/main" xmlns:p15="http://schemas.microsoft.com/office/powerpoint/2012/main" xmlns:ahyp="http://schemas.microsoft.com/office/drawing/2018/hyperlinkcolor" showMasterPhAnim="0" showMasterSp="0">
   <p:cSld>
     <p:spTree>
       <p:nvGrpSpPr>
-        <p:cNvPr id="231" name="Shape 231"/>
+        <p:cNvPr id="162" name="Shape 162"/>
         <p:cNvGrpSpPr/>
         <p:nvPr/>
       </p:nvGrpSpPr>
@@ -817,7 +816,7 @@
       </p:grpSpPr>
       <p:sp>
         <p:nvSpPr>
-          <p:cNvPr id="232" name="Google Shape;232;g2b4e93dfc2a_4_37:notes"/>
+          <p:cNvPr id="163" name="Google Shape;163;g2b4e93dfc2a_4_12:notes"/>
           <p:cNvSpPr/>
           <p:nvPr>
             <p:ph idx="2" type="sldImg"/>
@@ -852,7 +851,7 @@
       </p:sp>
       <p:sp>
         <p:nvSpPr>
-          <p:cNvPr id="233" name="Google Shape;233;g2b4e93dfc2a_4_37:notes"/>
+          <p:cNvPr id="164" name="Google Shape;164;g2b4e93dfc2a_4_12:notes"/>
           <p:cNvSpPr txBox="1"/>
           <p:nvPr>
             <p:ph idx="1" type="body"/>
@@ -897,12 +896,12 @@
 </p:notes>
 </file>
 
-<file path=ppt/notesSlides/notesSlide2.xml><?xml version="1.0" encoding="utf-8"?>
+<file path=ppt/notesSlides/notesSlide3.xml><?xml version="1.0" encoding="utf-8"?>
 <p:notes xmlns:a="http://schemas.openxmlformats.org/drawingml/2006/main" xmlns:r="http://schemas.openxmlformats.org/officeDocument/2006/relationships" xmlns:mc="http://schemas.openxmlformats.org/markup-compatibility/2006" xmlns:mv="urn:schemas-microsoft-com:mac:vml" xmlns:p="http://schemas.openxmlformats.org/presentationml/2006/main" xmlns:c="http://schemas.openxmlformats.org/drawingml/2006/chart" xmlns:dgm="http://schemas.openxmlformats.org/drawingml/2006/diagram" xmlns:o="urn:schemas-microsoft-com:office:office" xmlns:v="urn:schemas-microsoft-com:vml" xmlns:pvml="urn:schemas-microsoft-com:office:powerpoint" xmlns:com="http://schemas.openxmlformats.org/drawingml/2006/compatibility" xmlns:p14="http://schemas.microsoft.com/office/powerpoint/2010/main" xmlns:p15="http://schemas.microsoft.com/office/powerpoint/2012/main" xmlns:ahyp="http://schemas.microsoft.com/office/drawing/2018/hyperlinkcolor" showMasterPhAnim="0" showMasterSp="0">
   <p:cSld>
     <p:spTree>
       <p:nvGrpSpPr>
-        <p:cNvPr id="164" name="Shape 164"/>
+        <p:cNvPr id="173" name="Shape 173"/>
         <p:cNvGrpSpPr/>
         <p:nvPr/>
       </p:nvGrpSpPr>
@@ -916,7 +915,7 @@
       </p:grpSpPr>
       <p:sp>
         <p:nvSpPr>
-          <p:cNvPr id="165" name="Google Shape;165;g2b4e93dfc2a_4_7:notes"/>
+          <p:cNvPr id="174" name="Google Shape;174;g2b4e93dfc2a_4_100:notes"/>
           <p:cNvSpPr/>
           <p:nvPr>
             <p:ph idx="2" type="sldImg"/>
@@ -951,7 +950,7 @@
       </p:sp>
       <p:sp>
         <p:nvSpPr>
-          <p:cNvPr id="166" name="Google Shape;166;g2b4e93dfc2a_4_7:notes"/>
+          <p:cNvPr id="175" name="Google Shape;175;g2b4e93dfc2a_4_100:notes"/>
           <p:cNvSpPr txBox="1"/>
           <p:nvPr>
             <p:ph idx="1" type="body"/>
@@ -996,12 +995,12 @@
 </p:notes>
 </file>
 
-<file path=ppt/notesSlides/notesSlide3.xml><?xml version="1.0" encoding="utf-8"?>
+<file path=ppt/notesSlides/notesSlide4.xml><?xml version="1.0" encoding="utf-8"?>
 <p:notes xmlns:a="http://schemas.openxmlformats.org/drawingml/2006/main" xmlns:r="http://schemas.openxmlformats.org/officeDocument/2006/relationships" xmlns:mc="http://schemas.openxmlformats.org/markup-compatibility/2006" xmlns:mv="urn:schemas-microsoft-com:mac:vml" xmlns:p="http://schemas.openxmlformats.org/presentationml/2006/main" xmlns:c="http://schemas.openxmlformats.org/drawingml/2006/chart" xmlns:dgm="http://schemas.openxmlformats.org/drawingml/2006/diagram" xmlns:o="urn:schemas-microsoft-com:office:office" xmlns:v="urn:schemas-microsoft-com:vml" xmlns:pvml="urn:schemas-microsoft-com:office:powerpoint" xmlns:com="http://schemas.openxmlformats.org/drawingml/2006/compatibility" xmlns:p14="http://schemas.microsoft.com/office/powerpoint/2010/main" xmlns:p15="http://schemas.microsoft.com/office/powerpoint/2012/main" xmlns:ahyp="http://schemas.microsoft.com/office/drawing/2018/hyperlinkcolor" showMasterPhAnim="0" showMasterSp="0">
   <p:cSld>
     <p:spTree>
       <p:nvGrpSpPr>
-        <p:cNvPr id="170" name="Shape 170"/>
+        <p:cNvPr id="187" name="Shape 187"/>
         <p:cNvGrpSpPr/>
         <p:nvPr/>
       </p:nvGrpSpPr>
@@ -1015,7 +1014,7 @@
       </p:grpSpPr>
       <p:sp>
         <p:nvSpPr>
-          <p:cNvPr id="171" name="Google Shape;171;g2b4e93dfc2a_4_12:notes"/>
+          <p:cNvPr id="188" name="Google Shape;188;g2b4e93dfc2a_4_22:notes"/>
           <p:cNvSpPr/>
           <p:nvPr>
             <p:ph idx="2" type="sldImg"/>
@@ -1050,7 +1049,7 @@
       </p:sp>
       <p:sp>
         <p:nvSpPr>
-          <p:cNvPr id="172" name="Google Shape;172;g2b4e93dfc2a_4_12:notes"/>
+          <p:cNvPr id="189" name="Google Shape;189;g2b4e93dfc2a_4_22:notes"/>
           <p:cNvSpPr txBox="1"/>
           <p:nvPr>
             <p:ph idx="1" type="body"/>
@@ -1095,12 +1094,12 @@
 </p:notes>
 </file>
 
-<file path=ppt/notesSlides/notesSlide4.xml><?xml version="1.0" encoding="utf-8"?>
+<file path=ppt/notesSlides/notesSlide5.xml><?xml version="1.0" encoding="utf-8"?>
 <p:notes xmlns:a="http://schemas.openxmlformats.org/drawingml/2006/main" xmlns:r="http://schemas.openxmlformats.org/officeDocument/2006/relationships" xmlns:mc="http://schemas.openxmlformats.org/markup-compatibility/2006" xmlns:mv="urn:schemas-microsoft-com:mac:vml" xmlns:p="http://schemas.openxmlformats.org/presentationml/2006/main" xmlns:c="http://schemas.openxmlformats.org/drawingml/2006/chart" xmlns:dgm="http://schemas.openxmlformats.org/drawingml/2006/diagram" xmlns:o="urn:schemas-microsoft-com:office:office" xmlns:v="urn:schemas-microsoft-com:vml" xmlns:pvml="urn:schemas-microsoft-com:office:powerpoint" xmlns:com="http://schemas.openxmlformats.org/drawingml/2006/compatibility" xmlns:p14="http://schemas.microsoft.com/office/powerpoint/2010/main" xmlns:p15="http://schemas.microsoft.com/office/powerpoint/2012/main" xmlns:ahyp="http://schemas.microsoft.com/office/drawing/2018/hyperlinkcolor" showMasterPhAnim="0" showMasterSp="0">
   <p:cSld>
     <p:spTree>
       <p:nvGrpSpPr>
-        <p:cNvPr id="181" name="Shape 181"/>
+        <p:cNvPr id="193" name="Shape 193"/>
         <p:cNvGrpSpPr/>
         <p:nvPr/>
       </p:nvGrpSpPr>
@@ -1114,7 +1113,7 @@
       </p:grpSpPr>
       <p:sp>
         <p:nvSpPr>
-          <p:cNvPr id="182" name="Google Shape;182;g2b4e93dfc2a_4_100:notes"/>
+          <p:cNvPr id="194" name="Google Shape;194;g2b4e93dfc2a_4_27:notes"/>
           <p:cNvSpPr/>
           <p:nvPr>
             <p:ph idx="2" type="sldImg"/>
@@ -1149,106 +1148,7 @@
       </p:sp>
       <p:sp>
         <p:nvSpPr>
-          <p:cNvPr id="183" name="Google Shape;183;g2b4e93dfc2a_4_100:notes"/>
-          <p:cNvSpPr txBox="1"/>
-          <p:nvPr>
-            <p:ph idx="1" type="body"/>
-          </p:nvPr>
-        </p:nvSpPr>
-        <p:spPr>
-          <a:xfrm>
-            <a:off x="685800" y="4343400"/>
-            <a:ext cx="5486400" cy="4114800"/>
-          </a:xfrm>
-          <a:prstGeom prst="rect">
-            <a:avLst/>
-          </a:prstGeom>
-        </p:spPr>
-        <p:txBody>
-          <a:bodyPr anchorCtr="0" anchor="t" bIns="91425" lIns="91425" spcFirstLastPara="1" rIns="91425" wrap="square" tIns="91425">
-            <a:noAutofit/>
-          </a:bodyPr>
-          <a:lstStyle/>
-          <a:p>
-            <a:pPr indent="0" lvl="0" marL="0" rtl="0" algn="l">
-              <a:spcBef>
-                <a:spcPts val="0"/>
-              </a:spcBef>
-              <a:spcAft>
-                <a:spcPts val="0"/>
-              </a:spcAft>
-              <a:buNone/>
-            </a:pPr>
-            <a:r>
-              <a:t/>
-            </a:r>
-            <a:endParaRPr/>
-          </a:p>
-        </p:txBody>
-      </p:sp>
-    </p:spTree>
-  </p:cSld>
-  <p:clrMapOvr>
-    <a:masterClrMapping/>
-  </p:clrMapOvr>
-</p:notes>
-</file>
-
-<file path=ppt/notesSlides/notesSlide5.xml><?xml version="1.0" encoding="utf-8"?>
-<p:notes xmlns:a="http://schemas.openxmlformats.org/drawingml/2006/main" xmlns:r="http://schemas.openxmlformats.org/officeDocument/2006/relationships" xmlns:mc="http://schemas.openxmlformats.org/markup-compatibility/2006" xmlns:mv="urn:schemas-microsoft-com:mac:vml" xmlns:p="http://schemas.openxmlformats.org/presentationml/2006/main" xmlns:c="http://schemas.openxmlformats.org/drawingml/2006/chart" xmlns:dgm="http://schemas.openxmlformats.org/drawingml/2006/diagram" xmlns:o="urn:schemas-microsoft-com:office:office" xmlns:v="urn:schemas-microsoft-com:vml" xmlns:pvml="urn:schemas-microsoft-com:office:powerpoint" xmlns:com="http://schemas.openxmlformats.org/drawingml/2006/compatibility" xmlns:p14="http://schemas.microsoft.com/office/powerpoint/2010/main" xmlns:p15="http://schemas.microsoft.com/office/powerpoint/2012/main" xmlns:ahyp="http://schemas.microsoft.com/office/drawing/2018/hyperlinkcolor" showMasterPhAnim="0" showMasterSp="0">
-  <p:cSld>
-    <p:spTree>
-      <p:nvGrpSpPr>
-        <p:cNvPr id="195" name="Shape 195"/>
-        <p:cNvGrpSpPr/>
-        <p:nvPr/>
-      </p:nvGrpSpPr>
-      <p:grpSpPr>
-        <a:xfrm>
-          <a:off x="0" y="0"/>
-          <a:ext cx="0" cy="0"/>
-          <a:chOff x="0" y="0"/>
-          <a:chExt cx="0" cy="0"/>
-        </a:xfrm>
-      </p:grpSpPr>
-      <p:sp>
-        <p:nvSpPr>
-          <p:cNvPr id="196" name="Google Shape;196;g2b4e93dfc2a_4_22:notes"/>
-          <p:cNvSpPr/>
-          <p:nvPr>
-            <p:ph idx="2" type="sldImg"/>
-          </p:nvPr>
-        </p:nvSpPr>
-        <p:spPr>
-          <a:xfrm>
-            <a:off x="381175" y="685800"/>
-            <a:ext cx="6096300" cy="3429000"/>
-          </a:xfrm>
-          <a:custGeom>
-            <a:rect b="b" l="l" r="r" t="t"/>
-            <a:pathLst>
-              <a:path extrusionOk="0" h="120000" w="120000">
-                <a:moveTo>
-                  <a:pt x="0" y="0"/>
-                </a:moveTo>
-                <a:lnTo>
-                  <a:pt x="120000" y="0"/>
-                </a:lnTo>
-                <a:lnTo>
-                  <a:pt x="120000" y="120000"/>
-                </a:lnTo>
-                <a:lnTo>
-                  <a:pt x="0" y="120000"/>
-                </a:lnTo>
-                <a:close/>
-              </a:path>
-            </a:pathLst>
-          </a:custGeom>
-        </p:spPr>
-      </p:sp>
-      <p:sp>
-        <p:nvSpPr>
-          <p:cNvPr id="197" name="Google Shape;197;g2b4e93dfc2a_4_22:notes"/>
+          <p:cNvPr id="195" name="Google Shape;195;g2b4e93dfc2a_4_27:notes"/>
           <p:cNvSpPr txBox="1"/>
           <p:nvPr>
             <p:ph idx="1" type="body"/>
@@ -1312,7 +1212,7 @@
       </p:grpSpPr>
       <p:sp>
         <p:nvSpPr>
-          <p:cNvPr id="202" name="Google Shape;202;g2b4e93dfc2a_4_27:notes"/>
+          <p:cNvPr id="202" name="Google Shape;202;g2b4e93dfc2a_4_76:notes"/>
           <p:cNvSpPr/>
           <p:nvPr>
             <p:ph idx="2" type="sldImg"/>
@@ -1347,7 +1247,7 @@
       </p:sp>
       <p:sp>
         <p:nvSpPr>
-          <p:cNvPr id="203" name="Google Shape;203;g2b4e93dfc2a_4_27:notes"/>
+          <p:cNvPr id="203" name="Google Shape;203;g2b4e93dfc2a_4_76:notes"/>
           <p:cNvSpPr txBox="1"/>
           <p:nvPr>
             <p:ph idx="1" type="body"/>
@@ -1397,7 +1297,7 @@
   <p:cSld>
     <p:spTree>
       <p:nvGrpSpPr>
-        <p:cNvPr id="209" name="Shape 209"/>
+        <p:cNvPr id="210" name="Shape 210"/>
         <p:cNvGrpSpPr/>
         <p:nvPr/>
       </p:nvGrpSpPr>
@@ -1411,7 +1311,7 @@
       </p:grpSpPr>
       <p:sp>
         <p:nvSpPr>
-          <p:cNvPr id="210" name="Google Shape;210;g2b4e93dfc2a_4_76:notes"/>
+          <p:cNvPr id="211" name="Google Shape;211;g2b4e93dfc2a_4_83:notes"/>
           <p:cNvSpPr/>
           <p:nvPr>
             <p:ph idx="2" type="sldImg"/>
@@ -1446,7 +1346,7 @@
       </p:sp>
       <p:sp>
         <p:nvSpPr>
-          <p:cNvPr id="211" name="Google Shape;211;g2b4e93dfc2a_4_76:notes"/>
+          <p:cNvPr id="212" name="Google Shape;212;g2b4e93dfc2a_4_83:notes"/>
           <p:cNvSpPr txBox="1"/>
           <p:nvPr>
             <p:ph idx="1" type="body"/>
@@ -1496,7 +1396,7 @@
   <p:cSld>
     <p:spTree>
       <p:nvGrpSpPr>
-        <p:cNvPr id="218" name="Shape 218"/>
+        <p:cNvPr id="217" name="Shape 217"/>
         <p:cNvGrpSpPr/>
         <p:nvPr/>
       </p:nvGrpSpPr>
@@ -1510,7 +1410,7 @@
       </p:grpSpPr>
       <p:sp>
         <p:nvSpPr>
-          <p:cNvPr id="219" name="Google Shape;219;g2b4e93dfc2a_4_83:notes"/>
+          <p:cNvPr id="218" name="Google Shape;218;g2b4e93dfc2a_4_32:notes"/>
           <p:cNvSpPr/>
           <p:nvPr>
             <p:ph idx="2" type="sldImg"/>
@@ -1545,7 +1445,7 @@
       </p:sp>
       <p:sp>
         <p:nvSpPr>
-          <p:cNvPr id="220" name="Google Shape;220;g2b4e93dfc2a_4_83:notes"/>
+          <p:cNvPr id="219" name="Google Shape;219;g2b4e93dfc2a_4_32:notes"/>
           <p:cNvSpPr txBox="1"/>
           <p:nvPr>
             <p:ph idx="1" type="body"/>
@@ -1595,7 +1495,7 @@
   <p:cSld>
     <p:spTree>
       <p:nvGrpSpPr>
-        <p:cNvPr id="225" name="Shape 225"/>
+        <p:cNvPr id="223" name="Shape 223"/>
         <p:cNvGrpSpPr/>
         <p:nvPr/>
       </p:nvGrpSpPr>
@@ -1609,7 +1509,7 @@
       </p:grpSpPr>
       <p:sp>
         <p:nvSpPr>
-          <p:cNvPr id="226" name="Google Shape;226;g2b4e93dfc2a_4_32:notes"/>
+          <p:cNvPr id="224" name="Google Shape;224;g2b4e93dfc2a_4_37:notes"/>
           <p:cNvSpPr/>
           <p:nvPr>
             <p:ph idx="2" type="sldImg"/>
@@ -1644,7 +1544,7 @@
       </p:sp>
       <p:sp>
         <p:nvSpPr>
-          <p:cNvPr id="227" name="Google Shape;227;g2b4e93dfc2a_4_32:notes"/>
+          <p:cNvPr id="225" name="Google Shape;225;g2b4e93dfc2a_4_37:notes"/>
           <p:cNvSpPr txBox="1"/>
           <p:nvPr>
             <p:ph idx="1" type="body"/>
@@ -14942,636 +14842,6 @@
           <p:cNvPr id="160" name="Google Shape;160;p17"/>
           <p:cNvSpPr txBox="1"/>
           <p:nvPr>
-            <p:ph type="ctrTitle"/>
-          </p:nvPr>
-        </p:nvSpPr>
-        <p:spPr>
-          <a:xfrm>
-            <a:off x="390525" y="747725"/>
-            <a:ext cx="8222100" cy="1102200"/>
-          </a:xfrm>
-          <a:prstGeom prst="rect">
-            <a:avLst/>
-          </a:prstGeom>
-        </p:spPr>
-        <p:txBody>
-          <a:bodyPr anchorCtr="0" anchor="ctr" bIns="91425" lIns="91425" spcFirstLastPara="1" rIns="91425" wrap="square" tIns="91425">
-            <a:noAutofit/>
-          </a:bodyPr>
-          <a:lstStyle/>
-          <a:p>
-            <a:pPr indent="0" lvl="0" marL="0" rtl="0" algn="l">
-              <a:spcBef>
-                <a:spcPts val="0"/>
-              </a:spcBef>
-              <a:spcAft>
-                <a:spcPts val="0"/>
-              </a:spcAft>
-              <a:buNone/>
-            </a:pPr>
-            <a:r>
-              <a:rPr b="1" lang="en"/>
-              <a:t>BÁO CÁO ĐỒ ÁN CUỐI KỲ</a:t>
-            </a:r>
-            <a:endParaRPr b="1"/>
-          </a:p>
-        </p:txBody>
-      </p:sp>
-      <p:sp>
-        <p:nvSpPr>
-          <p:cNvPr id="161" name="Google Shape;161;p17"/>
-          <p:cNvSpPr txBox="1"/>
-          <p:nvPr>
-            <p:ph idx="1" type="subTitle"/>
-          </p:nvPr>
-        </p:nvSpPr>
-        <p:spPr>
-          <a:xfrm>
-            <a:off x="390525" y="3772598"/>
-            <a:ext cx="8222100" cy="644400"/>
-          </a:xfrm>
-          <a:prstGeom prst="rect">
-            <a:avLst/>
-          </a:prstGeom>
-        </p:spPr>
-        <p:txBody>
-          <a:bodyPr anchorCtr="0" anchor="ctr" bIns="91425" lIns="91425" spcFirstLastPara="1" rIns="91425" wrap="square" tIns="91425">
-            <a:noAutofit/>
-          </a:bodyPr>
-          <a:lstStyle/>
-          <a:p>
-            <a:pPr indent="0" lvl="0" marL="0" rtl="0" algn="l">
-              <a:spcBef>
-                <a:spcPts val="0"/>
-              </a:spcBef>
-              <a:spcAft>
-                <a:spcPts val="0"/>
-              </a:spcAft>
-              <a:buNone/>
-            </a:pPr>
-            <a:r>
-              <a:rPr b="1" lang="en" sz="2000"/>
-              <a:t>Trường ĐH Công Nghệ Thông Tin, ĐHQG-HCM</a:t>
-            </a:r>
-            <a:r>
-              <a:rPr lang="en" sz="2400"/>
-              <a:t> </a:t>
-            </a:r>
-            <a:endParaRPr sz="2400"/>
-          </a:p>
-        </p:txBody>
-      </p:sp>
-      <p:pic>
-        <p:nvPicPr>
-          <p:cNvPr id="162" name="Google Shape;162;p17"/>
-          <p:cNvPicPr preferRelativeResize="0"/>
-          <p:nvPr/>
-        </p:nvPicPr>
-        <p:blipFill>
-          <a:blip r:embed="rId3">
-            <a:alphaModFix/>
-          </a:blip>
-          <a:stretch>
-            <a:fillRect/>
-          </a:stretch>
-        </p:blipFill>
-        <p:spPr>
-          <a:xfrm>
-            <a:off x="6925125" y="3079150"/>
-            <a:ext cx="1771650" cy="1428750"/>
-          </a:xfrm>
-          <a:prstGeom prst="rect">
-            <a:avLst/>
-          </a:prstGeom>
-          <a:noFill/>
-          <a:ln>
-            <a:noFill/>
-          </a:ln>
-        </p:spPr>
-      </p:pic>
-      <p:sp>
-        <p:nvSpPr>
-          <p:cNvPr id="163" name="Google Shape;163;p17"/>
-          <p:cNvSpPr txBox="1"/>
-          <p:nvPr>
-            <p:ph type="ctrTitle"/>
-          </p:nvPr>
-        </p:nvSpPr>
-        <p:spPr>
-          <a:xfrm>
-            <a:off x="390525" y="2285625"/>
-            <a:ext cx="8306400" cy="1428900"/>
-          </a:xfrm>
-          <a:prstGeom prst="rect">
-            <a:avLst/>
-          </a:prstGeom>
-        </p:spPr>
-        <p:txBody>
-          <a:bodyPr anchorCtr="0" anchor="ctr" bIns="91425" lIns="91425" spcFirstLastPara="1" rIns="91425" wrap="square" tIns="91425">
-            <a:noAutofit/>
-          </a:bodyPr>
-          <a:lstStyle/>
-          <a:p>
-            <a:pPr indent="0" lvl="0" marL="0" rtl="0" algn="l">
-              <a:lnSpc>
-                <a:spcPct val="150000"/>
-              </a:lnSpc>
-              <a:spcBef>
-                <a:spcPts val="0"/>
-              </a:spcBef>
-              <a:spcAft>
-                <a:spcPts val="0"/>
-              </a:spcAft>
-              <a:buNone/>
-            </a:pPr>
-            <a:r>
-              <a:rPr b="1" lang="en" sz="2500"/>
-              <a:t>Môn học: CS519 - PHƯƠNG PHÁP LUẬN NCKH</a:t>
-            </a:r>
-            <a:endParaRPr b="1" sz="2500"/>
-          </a:p>
-          <a:p>
-            <a:pPr indent="0" lvl="0" marL="0" rtl="0" algn="l">
-              <a:lnSpc>
-                <a:spcPct val="150000"/>
-              </a:lnSpc>
-              <a:spcBef>
-                <a:spcPts val="0"/>
-              </a:spcBef>
-              <a:spcAft>
-                <a:spcPts val="0"/>
-              </a:spcAft>
-              <a:buNone/>
-            </a:pPr>
-            <a:r>
-              <a:rPr b="1" lang="en" sz="2500"/>
-              <a:t>Lớp: CS519.O11</a:t>
-            </a:r>
-            <a:endParaRPr b="1" sz="2500"/>
-          </a:p>
-          <a:p>
-            <a:pPr indent="0" lvl="0" marL="0" rtl="0" algn="l">
-              <a:lnSpc>
-                <a:spcPct val="150000"/>
-              </a:lnSpc>
-              <a:spcBef>
-                <a:spcPts val="0"/>
-              </a:spcBef>
-              <a:spcAft>
-                <a:spcPts val="0"/>
-              </a:spcAft>
-              <a:buNone/>
-            </a:pPr>
-            <a:r>
-              <a:rPr b="1" lang="en" sz="2500"/>
-              <a:t>GV: PGS.TS. Lê Đình Duy</a:t>
-            </a:r>
-            <a:endParaRPr b="1" sz="2500"/>
-          </a:p>
-        </p:txBody>
-      </p:sp>
-    </p:spTree>
-  </p:cSld>
-  <p:clrMapOvr>
-    <a:masterClrMapping/>
-  </p:clrMapOvr>
-</p:sld>
-</file>
-
-<file path=ppt/slides/slide10.xml><?xml version="1.0" encoding="utf-8"?>
-<p:sld xmlns:a="http://schemas.openxmlformats.org/drawingml/2006/main" xmlns:r="http://schemas.openxmlformats.org/officeDocument/2006/relationships" xmlns:mc="http://schemas.openxmlformats.org/markup-compatibility/2006" xmlns:mv="urn:schemas-microsoft-com:mac:vml" xmlns:p="http://schemas.openxmlformats.org/presentationml/2006/main" xmlns:c="http://schemas.openxmlformats.org/drawingml/2006/chart" xmlns:dgm="http://schemas.openxmlformats.org/drawingml/2006/diagram" xmlns:o="urn:schemas-microsoft-com:office:office" xmlns:v="urn:schemas-microsoft-com:vml" xmlns:pvml="urn:schemas-microsoft-com:office:powerpoint" xmlns:com="http://schemas.openxmlformats.org/drawingml/2006/compatibility" xmlns:p14="http://schemas.microsoft.com/office/powerpoint/2010/main" xmlns:p15="http://schemas.microsoft.com/office/powerpoint/2012/main" xmlns:ahyp="http://schemas.microsoft.com/office/drawing/2018/hyperlinkcolor">
-  <p:cSld>
-    <p:spTree>
-      <p:nvGrpSpPr>
-        <p:cNvPr id="234" name="Shape 234"/>
-        <p:cNvGrpSpPr/>
-        <p:nvPr/>
-      </p:nvGrpSpPr>
-      <p:grpSpPr>
-        <a:xfrm>
-          <a:off x="0" y="0"/>
-          <a:ext cx="0" cy="0"/>
-          <a:chOff x="0" y="0"/>
-          <a:chExt cx="0" cy="0"/>
-        </a:xfrm>
-      </p:grpSpPr>
-      <p:sp>
-        <p:nvSpPr>
-          <p:cNvPr id="235" name="Google Shape;235;p26"/>
-          <p:cNvSpPr txBox="1"/>
-          <p:nvPr>
-            <p:ph type="title"/>
-          </p:nvPr>
-        </p:nvSpPr>
-        <p:spPr>
-          <a:xfrm>
-            <a:off x="471900" y="0"/>
-            <a:ext cx="8222100" cy="728400"/>
-          </a:xfrm>
-          <a:prstGeom prst="rect">
-            <a:avLst/>
-          </a:prstGeom>
-        </p:spPr>
-        <p:txBody>
-          <a:bodyPr anchorCtr="0" anchor="ctr" bIns="91425" lIns="91425" spcFirstLastPara="1" rIns="91425" wrap="square" tIns="91425">
-            <a:noAutofit/>
-          </a:bodyPr>
-          <a:lstStyle/>
-          <a:p>
-            <a:pPr indent="0" lvl="0" marL="0" rtl="0" algn="l">
-              <a:spcBef>
-                <a:spcPts val="0"/>
-              </a:spcBef>
-              <a:spcAft>
-                <a:spcPts val="0"/>
-              </a:spcAft>
-              <a:buNone/>
-            </a:pPr>
-            <a:r>
-              <a:rPr b="1" lang="en"/>
-              <a:t>Tài liệu tham khảo</a:t>
-            </a:r>
-            <a:endParaRPr/>
-          </a:p>
-        </p:txBody>
-      </p:sp>
-      <p:sp>
-        <p:nvSpPr>
-          <p:cNvPr id="236" name="Google Shape;236;p26"/>
-          <p:cNvSpPr txBox="1"/>
-          <p:nvPr>
-            <p:ph idx="1" type="body"/>
-          </p:nvPr>
-        </p:nvSpPr>
-        <p:spPr>
-          <a:xfrm>
-            <a:off x="66150" y="668100"/>
-            <a:ext cx="8898300" cy="4149900"/>
-          </a:xfrm>
-          <a:prstGeom prst="rect">
-            <a:avLst/>
-          </a:prstGeom>
-        </p:spPr>
-        <p:txBody>
-          <a:bodyPr anchorCtr="0" anchor="t" bIns="91425" lIns="91425" spcFirstLastPara="1" rIns="91425" wrap="square" tIns="91425">
-            <a:noAutofit/>
-          </a:bodyPr>
-          <a:lstStyle/>
-          <a:p>
-            <a:pPr indent="0" lvl="0" marL="0" rtl="0" algn="l">
-              <a:lnSpc>
-                <a:spcPct val="100000"/>
-              </a:lnSpc>
-              <a:spcBef>
-                <a:spcPts val="0"/>
-              </a:spcBef>
-              <a:spcAft>
-                <a:spcPts val="0"/>
-              </a:spcAft>
-              <a:buNone/>
-            </a:pPr>
-            <a:r>
-              <a:rPr lang="en" sz="950"/>
-              <a:t>[1]. Justus Thies, Michael Zollhöfer, Marc Stamminger, Christian Theobalt, Matthias Nießner: Face2Face: Real-time Face Capture and Reenactment of RGB Videos. CoRR abs/2007.14808 (2020)</a:t>
-            </a:r>
-            <a:endParaRPr sz="950"/>
-          </a:p>
-          <a:p>
-            <a:pPr indent="0" lvl="0" marL="0" rtl="0" algn="l">
-              <a:lnSpc>
-                <a:spcPct val="100000"/>
-              </a:lnSpc>
-              <a:spcBef>
-                <a:spcPts val="0"/>
-              </a:spcBef>
-              <a:spcAft>
-                <a:spcPts val="0"/>
-              </a:spcAft>
-              <a:buNone/>
-            </a:pPr>
-            <a:r>
-              <a:rPr lang="en" sz="950"/>
-              <a:t>[2]. Supasorn Suwajanakorn, Steven M. Seitz, Ira Kemelmacher-Shlizerman: Synthesizing Obama: learning lip sync from audio. ACM Trans. Graph. 36(4): 95:1-95:13 (2017)</a:t>
-            </a:r>
-            <a:endParaRPr sz="950"/>
-          </a:p>
-          <a:p>
-            <a:pPr indent="0" lvl="0" marL="0" rtl="0" algn="l">
-              <a:lnSpc>
-                <a:spcPct val="100000"/>
-              </a:lnSpc>
-              <a:spcBef>
-                <a:spcPts val="0"/>
-              </a:spcBef>
-              <a:spcAft>
-                <a:spcPts val="0"/>
-              </a:spcAft>
-              <a:buNone/>
-            </a:pPr>
-            <a:r>
-              <a:rPr lang="en" sz="950"/>
-              <a:t>[3]. Albert Pumarola, Antonio Agudo, Aleix M. Martínez, Alberto Sanfeliu, Francesc Moreno-Noguer: GANimation: Anatomically-Aware Facial Animation from a Single Image. ECCV (10) 2018: 835-851</a:t>
-            </a:r>
-            <a:endParaRPr sz="950"/>
-          </a:p>
-          <a:p>
-            <a:pPr indent="0" lvl="0" marL="0" rtl="0" algn="l">
-              <a:lnSpc>
-                <a:spcPct val="100000"/>
-              </a:lnSpc>
-              <a:spcBef>
-                <a:spcPts val="0"/>
-              </a:spcBef>
-              <a:spcAft>
-                <a:spcPts val="0"/>
-              </a:spcAft>
-              <a:buNone/>
-            </a:pPr>
-            <a:r>
-              <a:rPr lang="en" sz="950"/>
-              <a:t>[4]. Yuval Nirkin, Yosi Keller, Tal Hassner: FSGAN: Subject Agnostic Face Swapping and Reenactment. ICCV 2019: 7183-7192</a:t>
-            </a:r>
-            <a:endParaRPr sz="950"/>
-          </a:p>
-          <a:p>
-            <a:pPr indent="0" lvl="0" marL="0" rtl="0" algn="l">
-              <a:lnSpc>
-                <a:spcPct val="100000"/>
-              </a:lnSpc>
-              <a:spcBef>
-                <a:spcPts val="0"/>
-              </a:spcBef>
-              <a:spcAft>
-                <a:spcPts val="0"/>
-              </a:spcAft>
-              <a:buNone/>
-            </a:pPr>
-            <a:r>
-              <a:rPr lang="en" sz="950"/>
-              <a:t>[5]. Wayne Wu, Yunxuan Zhang, Cheng Li, Chen Qian, Chen Change Loy: ReenactGAN: Learning to Reenact Faces via Boundary Transfer. ECCV (1) 2018: 622-638</a:t>
-            </a:r>
-            <a:endParaRPr sz="950"/>
-          </a:p>
-          <a:p>
-            <a:pPr indent="0" lvl="0" marL="0" rtl="0" algn="l">
-              <a:lnSpc>
-                <a:spcPct val="100000"/>
-              </a:lnSpc>
-              <a:spcBef>
-                <a:spcPts val="0"/>
-              </a:spcBef>
-              <a:spcAft>
-                <a:spcPts val="0"/>
-              </a:spcAft>
-              <a:buNone/>
-            </a:pPr>
-            <a:r>
-              <a:rPr lang="en" sz="950"/>
-              <a:t>[6]. Andreas Rössler, Davide Cozzolino, Luisa Verdoliva, Christian Riess, Justus Thies, Matthias Nießner: FaceForensics++: Learning to Detect Manipulated Facial Images. ICCV 2019: 1-11</a:t>
-            </a:r>
-            <a:endParaRPr sz="950"/>
-          </a:p>
-          <a:p>
-            <a:pPr indent="0" lvl="0" marL="0" rtl="0" algn="l">
-              <a:lnSpc>
-                <a:spcPct val="100000"/>
-              </a:lnSpc>
-              <a:spcBef>
-                <a:spcPts val="0"/>
-              </a:spcBef>
-              <a:spcAft>
-                <a:spcPts val="0"/>
-              </a:spcAft>
-              <a:buNone/>
-            </a:pPr>
-            <a:r>
-              <a:rPr lang="en" sz="950"/>
-              <a:t>[7]. Feng Wang, Weiyang Liu, Hanjun Dai, Haijun Liu, Jian Cheng: Additive Margin Softmax for Face Verification. ICLR (Workshop) 2018</a:t>
-            </a:r>
-            <a:endParaRPr sz="950"/>
-          </a:p>
-          <a:p>
-            <a:pPr indent="0" lvl="0" marL="0" rtl="0" algn="l">
-              <a:lnSpc>
-                <a:spcPct val="100000"/>
-              </a:lnSpc>
-              <a:spcBef>
-                <a:spcPts val="0"/>
-              </a:spcBef>
-              <a:spcAft>
-                <a:spcPts val="0"/>
-              </a:spcAft>
-              <a:buNone/>
-            </a:pPr>
-            <a:r>
-              <a:rPr lang="en" sz="950"/>
-              <a:t>[8]. Xin Yang, Yuezun Li, Siwei Lyu: Exposing Deep Fakes Using Inconsistent Head Poses. ICASSP 2019: 8261-8265</a:t>
-            </a:r>
-            <a:endParaRPr sz="950"/>
-          </a:p>
-          <a:p>
-            <a:pPr indent="0" lvl="0" marL="0" rtl="0" algn="l">
-              <a:lnSpc>
-                <a:spcPct val="100000"/>
-              </a:lnSpc>
-              <a:spcBef>
-                <a:spcPts val="0"/>
-              </a:spcBef>
-              <a:spcAft>
-                <a:spcPts val="0"/>
-              </a:spcAft>
-              <a:buNone/>
-            </a:pPr>
-            <a:r>
-              <a:rPr lang="en" sz="950"/>
-              <a:t>[9]. Yuezun Li, Ming-Ching Chang, Siwei Lyu: In Ictu Oculi: Exposing AI Created Fake Videos by Detecting Eye Blinking. WIFS 2018: 1-7</a:t>
-            </a:r>
-            <a:endParaRPr sz="950"/>
-          </a:p>
-          <a:p>
-            <a:pPr indent="0" lvl="0" marL="0" rtl="0" algn="l">
-              <a:lnSpc>
-                <a:spcPct val="100000"/>
-              </a:lnSpc>
-              <a:spcBef>
-                <a:spcPts val="0"/>
-              </a:spcBef>
-              <a:spcAft>
-                <a:spcPts val="0"/>
-              </a:spcAft>
-              <a:buNone/>
-            </a:pPr>
-            <a:r>
-              <a:rPr lang="en" sz="950"/>
-              <a:t>[10]. Lingzhi Li, Jianmin Bao, Ting Zhang, Hao Yang, Dong Chen, Fang Wen, Baining Guo: Face X-Ray for More General Face Forgery Detection. CVPR 2020: 5000-5009</a:t>
-            </a:r>
-            <a:endParaRPr sz="950"/>
-          </a:p>
-          <a:p>
-            <a:pPr indent="0" lvl="0" marL="0" rtl="0" algn="l">
-              <a:lnSpc>
-                <a:spcPct val="100000"/>
-              </a:lnSpc>
-              <a:spcBef>
-                <a:spcPts val="0"/>
-              </a:spcBef>
-              <a:spcAft>
-                <a:spcPts val="0"/>
-              </a:spcAft>
-              <a:buNone/>
-            </a:pPr>
-            <a:r>
-              <a:rPr lang="en" sz="950"/>
-              <a:t>[11]. Ashish Vaswani, Noam Shazeer, Niki Parmar, Jakob Uszkoreit, Llion Jones, Aidan N. Gomez, Lukasz Kaiser, Illia Polosukhin: Attention is All you Need. NIPS 2017: 5998-6008</a:t>
-            </a:r>
-            <a:endParaRPr sz="950"/>
-          </a:p>
-          <a:p>
-            <a:pPr indent="0" lvl="0" marL="0" rtl="0" algn="l">
-              <a:lnSpc>
-                <a:spcPct val="100000"/>
-              </a:lnSpc>
-              <a:spcBef>
-                <a:spcPts val="0"/>
-              </a:spcBef>
-              <a:spcAft>
-                <a:spcPts val="0"/>
-              </a:spcAft>
-              <a:buNone/>
-            </a:pPr>
-            <a:r>
-              <a:rPr lang="en" sz="950"/>
-              <a:t>[12]. Kai Han, Yunhe Wang, Hanting Chen, Xinghao Chen, Jianyuan Guo, Zhenhua Liu, Yehui Tang, An Xiao, Chunjing Xu, Yixing Xu, Zhaohui Yang, Yiman Zhang, Dacheng Tao: A Survey on Visual Transformer. CoRR abs/2012.12556 (2020)</a:t>
-            </a:r>
-            <a:endParaRPr sz="950"/>
-          </a:p>
-          <a:p>
-            <a:pPr indent="0" lvl="0" marL="0" rtl="0" algn="l">
-              <a:lnSpc>
-                <a:spcPct val="100000"/>
-              </a:lnSpc>
-              <a:spcBef>
-                <a:spcPts val="0"/>
-              </a:spcBef>
-              <a:spcAft>
-                <a:spcPts val="0"/>
-              </a:spcAft>
-              <a:buNone/>
-            </a:pPr>
-            <a:r>
-              <a:rPr lang="en" sz="950"/>
-              <a:t>[13]. Jacob Devlin, Ming-Wei Chang, Kenton Lee, Kristina Toutanova: BERT: Pre-training of Deep Bidirectional Transformers for Language Understanding. NAACL-HLT (1) 2019: 4171-4186</a:t>
-            </a:r>
-            <a:endParaRPr sz="950"/>
-          </a:p>
-          <a:p>
-            <a:pPr indent="0" lvl="0" marL="0" rtl="0" algn="l">
-              <a:lnSpc>
-                <a:spcPct val="100000"/>
-              </a:lnSpc>
-              <a:spcBef>
-                <a:spcPts val="0"/>
-              </a:spcBef>
-              <a:spcAft>
-                <a:spcPts val="0"/>
-              </a:spcAft>
-              <a:buNone/>
-            </a:pPr>
-            <a:r>
-              <a:rPr lang="en" sz="950"/>
-              <a:t>[14]. Heliang Zheng, Jianlong Fu, Tao Mei, Jiebo Luo: Learning Multi-attention Convolutional Neural Network for Fine-Grained Image Recognition. ICCV 2017: 5219-5227</a:t>
-            </a:r>
-            <a:endParaRPr sz="950"/>
-          </a:p>
-          <a:p>
-            <a:pPr indent="0" lvl="0" marL="0" rtl="0" algn="l">
-              <a:lnSpc>
-                <a:spcPct val="100000"/>
-              </a:lnSpc>
-              <a:spcBef>
-                <a:spcPts val="0"/>
-              </a:spcBef>
-              <a:spcAft>
-                <a:spcPts val="0"/>
-              </a:spcAft>
-              <a:buNone/>
-            </a:pPr>
-            <a:r>
-              <a:rPr lang="en" sz="950"/>
-              <a:t>[15]. Brian Dolhansky, Russ Howes, Ben Pflaum, Nicole Baram, Cristian Canton-Ferrer: The Deepfake Detection Challenge (DFDC) Preview Dataset. CoRR abs/1910.08854 (2019)</a:t>
-            </a:r>
-            <a:endParaRPr sz="950"/>
-          </a:p>
-          <a:p>
-            <a:pPr indent="0" lvl="0" marL="0" rtl="0" algn="l">
-              <a:lnSpc>
-                <a:spcPct val="100000"/>
-              </a:lnSpc>
-              <a:spcBef>
-                <a:spcPts val="0"/>
-              </a:spcBef>
-              <a:spcAft>
-                <a:spcPts val="0"/>
-              </a:spcAft>
-              <a:buNone/>
-            </a:pPr>
-            <a:r>
-              <a:rPr lang="en" sz="950"/>
-              <a:t>[16]. Yuezun Li, Xin Yang, Pu Sun, Honggang Qi, Siwei Lyu: Celeb-DF: A Large-Scale Challenging Dataset for DeepFake Forensics. CVPR 2020: 3204-3213</a:t>
-            </a:r>
-            <a:endParaRPr sz="950"/>
-          </a:p>
-          <a:p>
-            <a:pPr indent="0" lvl="0" marL="0" rtl="0" algn="l">
-              <a:lnSpc>
-                <a:spcPct val="100000"/>
-              </a:lnSpc>
-              <a:spcBef>
-                <a:spcPts val="0"/>
-              </a:spcBef>
-              <a:spcAft>
-                <a:spcPts val="0"/>
-              </a:spcAft>
-              <a:buNone/>
-            </a:pPr>
-            <a:r>
-              <a:rPr lang="en" sz="950"/>
-              <a:t>[17]. Andreas Rössler, Davide Cozzolino, Luisa Verdoliva, Christian Riess, Justus Thies, Matthias Nießner: FaceForensics++: Learning to Detect Manipulated Facial Images. ICCV 2019: 1-11</a:t>
-            </a:r>
-            <a:endParaRPr sz="950"/>
-          </a:p>
-        </p:txBody>
-      </p:sp>
-    </p:spTree>
-  </p:cSld>
-  <p:clrMapOvr>
-    <a:masterClrMapping/>
-  </p:clrMapOvr>
-</p:sld>
-</file>
-
-<file path=ppt/slides/slide2.xml><?xml version="1.0" encoding="utf-8"?>
-<p:sld xmlns:a="http://schemas.openxmlformats.org/drawingml/2006/main" xmlns:r="http://schemas.openxmlformats.org/officeDocument/2006/relationships" xmlns:mc="http://schemas.openxmlformats.org/markup-compatibility/2006" xmlns:mv="urn:schemas-microsoft-com:mac:vml" xmlns:p="http://schemas.openxmlformats.org/presentationml/2006/main" xmlns:c="http://schemas.openxmlformats.org/drawingml/2006/chart" xmlns:dgm="http://schemas.openxmlformats.org/drawingml/2006/diagram" xmlns:o="urn:schemas-microsoft-com:office:office" xmlns:v="urn:schemas-microsoft-com:vml" xmlns:pvml="urn:schemas-microsoft-com:office:powerpoint" xmlns:com="http://schemas.openxmlformats.org/drawingml/2006/compatibility" xmlns:p14="http://schemas.microsoft.com/office/powerpoint/2010/main" xmlns:p15="http://schemas.microsoft.com/office/powerpoint/2012/main" xmlns:ahyp="http://schemas.microsoft.com/office/drawing/2018/hyperlinkcolor">
-  <p:cSld>
-    <p:spTree>
-      <p:nvGrpSpPr>
-        <p:cNvPr id="167" name="Shape 167"/>
-        <p:cNvGrpSpPr/>
-        <p:nvPr/>
-      </p:nvGrpSpPr>
-      <p:grpSpPr>
-        <a:xfrm>
-          <a:off x="0" y="0"/>
-          <a:ext cx="0" cy="0"/>
-          <a:chOff x="0" y="0"/>
-          <a:chExt cx="0" cy="0"/>
-        </a:xfrm>
-      </p:grpSpPr>
-      <p:sp>
-        <p:nvSpPr>
-          <p:cNvPr id="168" name="Google Shape;168;p18"/>
-          <p:cNvSpPr txBox="1"/>
-          <p:nvPr>
             <p:ph type="title"/>
           </p:nvPr>
         </p:nvSpPr>
@@ -15637,7 +14907,7 @@
       </p:sp>
       <p:sp>
         <p:nvSpPr>
-          <p:cNvPr id="169" name="Google Shape;169;p18"/>
+          <p:cNvPr id="161" name="Google Shape;161;p17"/>
           <p:cNvSpPr txBox="1"/>
           <p:nvPr/>
         </p:nvSpPr>
@@ -15750,12 +15020,12 @@
 </p:sld>
 </file>
 
-<file path=ppt/slides/slide3.xml><?xml version="1.0" encoding="utf-8"?>
+<file path=ppt/slides/slide2.xml><?xml version="1.0" encoding="utf-8"?>
 <p:sld xmlns:a="http://schemas.openxmlformats.org/drawingml/2006/main" xmlns:r="http://schemas.openxmlformats.org/officeDocument/2006/relationships" xmlns:mc="http://schemas.openxmlformats.org/markup-compatibility/2006" xmlns:mv="urn:schemas-microsoft-com:mac:vml" xmlns:p="http://schemas.openxmlformats.org/presentationml/2006/main" xmlns:c="http://schemas.openxmlformats.org/drawingml/2006/chart" xmlns:dgm="http://schemas.openxmlformats.org/drawingml/2006/diagram" xmlns:o="urn:schemas-microsoft-com:office:office" xmlns:v="urn:schemas-microsoft-com:vml" xmlns:pvml="urn:schemas-microsoft-com:office:powerpoint" xmlns:com="http://schemas.openxmlformats.org/drawingml/2006/compatibility" xmlns:p14="http://schemas.microsoft.com/office/powerpoint/2010/main" xmlns:p15="http://schemas.microsoft.com/office/powerpoint/2012/main" xmlns:ahyp="http://schemas.microsoft.com/office/drawing/2018/hyperlinkcolor">
   <p:cSld>
     <p:spTree>
       <p:nvGrpSpPr>
-        <p:cNvPr id="173" name="Shape 173"/>
+        <p:cNvPr id="165" name="Shape 165"/>
         <p:cNvGrpSpPr/>
         <p:nvPr/>
       </p:nvGrpSpPr>
@@ -15769,7 +15039,7 @@
       </p:grpSpPr>
       <p:sp>
         <p:nvSpPr>
-          <p:cNvPr id="174" name="Google Shape;174;p19"/>
+          <p:cNvPr id="166" name="Google Shape;166;p18"/>
           <p:cNvSpPr txBox="1"/>
           <p:nvPr>
             <p:ph type="title"/>
@@ -15809,7 +15079,7 @@
       </p:sp>
       <p:sp>
         <p:nvSpPr>
-          <p:cNvPr id="175" name="Google Shape;175;p19"/>
+          <p:cNvPr id="167" name="Google Shape;167;p18"/>
           <p:cNvSpPr txBox="1"/>
           <p:nvPr>
             <p:ph idx="1" type="body"/>
@@ -15904,7 +15174,7 @@
       </p:sp>
       <p:pic>
         <p:nvPicPr>
-          <p:cNvPr id="176" name="Google Shape;176;p19"/>
+          <p:cNvPr id="168" name="Google Shape;168;p18"/>
           <p:cNvPicPr preferRelativeResize="0"/>
           <p:nvPr/>
         </p:nvPicPr>
@@ -15932,7 +15202,7 @@
       </p:pic>
       <p:pic>
         <p:nvPicPr>
-          <p:cNvPr id="177" name="Google Shape;177;p19"/>
+          <p:cNvPr id="169" name="Google Shape;169;p18"/>
           <p:cNvPicPr preferRelativeResize="0"/>
           <p:nvPr/>
         </p:nvPicPr>
@@ -15960,7 +15230,7 @@
       </p:pic>
       <p:sp>
         <p:nvSpPr>
-          <p:cNvPr id="178" name="Google Shape;178;p19"/>
+          <p:cNvPr id="170" name="Google Shape;170;p18"/>
           <p:cNvSpPr txBox="1"/>
           <p:nvPr/>
         </p:nvSpPr>
@@ -16009,7 +15279,7 @@
       </p:sp>
       <p:sp>
         <p:nvSpPr>
-          <p:cNvPr id="179" name="Google Shape;179;p19"/>
+          <p:cNvPr id="171" name="Google Shape;171;p18"/>
           <p:cNvSpPr txBox="1"/>
           <p:nvPr/>
         </p:nvSpPr>
@@ -16063,7 +15333,7 @@
       </p:sp>
       <p:sp>
         <p:nvSpPr>
-          <p:cNvPr id="180" name="Google Shape;180;p19"/>
+          <p:cNvPr id="172" name="Google Shape;172;p18"/>
           <p:cNvSpPr txBox="1"/>
           <p:nvPr/>
         </p:nvSpPr>
@@ -16135,12 +15405,12 @@
 </p:sld>
 </file>
 
-<file path=ppt/slides/slide4.xml><?xml version="1.0" encoding="utf-8"?>
+<file path=ppt/slides/slide3.xml><?xml version="1.0" encoding="utf-8"?>
 <p:sld xmlns:a="http://schemas.openxmlformats.org/drawingml/2006/main" xmlns:r="http://schemas.openxmlformats.org/officeDocument/2006/relationships" xmlns:mc="http://schemas.openxmlformats.org/markup-compatibility/2006" xmlns:mv="urn:schemas-microsoft-com:mac:vml" xmlns:p="http://schemas.openxmlformats.org/presentationml/2006/main" xmlns:c="http://schemas.openxmlformats.org/drawingml/2006/chart" xmlns:dgm="http://schemas.openxmlformats.org/drawingml/2006/diagram" xmlns:o="urn:schemas-microsoft-com:office:office" xmlns:v="urn:schemas-microsoft-com:vml" xmlns:pvml="urn:schemas-microsoft-com:office:powerpoint" xmlns:com="http://schemas.openxmlformats.org/drawingml/2006/compatibility" xmlns:p14="http://schemas.microsoft.com/office/powerpoint/2010/main" xmlns:p15="http://schemas.microsoft.com/office/powerpoint/2012/main" xmlns:ahyp="http://schemas.microsoft.com/office/drawing/2018/hyperlinkcolor">
   <p:cSld>
     <p:spTree>
       <p:nvGrpSpPr>
-        <p:cNvPr id="184" name="Shape 184"/>
+        <p:cNvPr id="176" name="Shape 176"/>
         <p:cNvGrpSpPr/>
         <p:nvPr/>
       </p:nvGrpSpPr>
@@ -16154,7 +15424,7 @@
       </p:grpSpPr>
       <p:sp>
         <p:nvSpPr>
-          <p:cNvPr id="185" name="Google Shape;185;p20"/>
+          <p:cNvPr id="177" name="Google Shape;177;p19"/>
           <p:cNvSpPr txBox="1"/>
           <p:nvPr>
             <p:ph type="title"/>
@@ -16194,7 +15464,7 @@
       </p:sp>
       <p:pic>
         <p:nvPicPr>
-          <p:cNvPr id="186" name="Google Shape;186;p20"/>
+          <p:cNvPr id="178" name="Google Shape;178;p19"/>
           <p:cNvPicPr preferRelativeResize="0"/>
           <p:nvPr/>
         </p:nvPicPr>
@@ -16222,7 +15492,7 @@
       </p:pic>
       <p:sp>
         <p:nvSpPr>
-          <p:cNvPr id="187" name="Google Shape;187;p20"/>
+          <p:cNvPr id="179" name="Google Shape;179;p19"/>
           <p:cNvSpPr txBox="1"/>
           <p:nvPr/>
         </p:nvSpPr>
@@ -16267,7 +15537,7 @@
       </p:sp>
       <p:sp>
         <p:nvSpPr>
-          <p:cNvPr id="188" name="Google Shape;188;p20"/>
+          <p:cNvPr id="180" name="Google Shape;180;p19"/>
           <p:cNvSpPr/>
           <p:nvPr/>
         </p:nvSpPr>
@@ -16318,7 +15588,7 @@
       </p:sp>
       <p:pic>
         <p:nvPicPr>
-          <p:cNvPr id="189" name="Google Shape;189;p20"/>
+          <p:cNvPr id="181" name="Google Shape;181;p19"/>
           <p:cNvPicPr preferRelativeResize="0"/>
           <p:nvPr/>
         </p:nvPicPr>
@@ -16346,7 +15616,7 @@
       </p:pic>
       <p:sp>
         <p:nvSpPr>
-          <p:cNvPr id="190" name="Google Shape;190;p20"/>
+          <p:cNvPr id="182" name="Google Shape;182;p19"/>
           <p:cNvSpPr txBox="1"/>
           <p:nvPr/>
         </p:nvSpPr>
@@ -16391,7 +15661,7 @@
       </p:sp>
       <p:sp>
         <p:nvSpPr>
-          <p:cNvPr id="191" name="Google Shape;191;p20"/>
+          <p:cNvPr id="183" name="Google Shape;183;p19"/>
           <p:cNvSpPr txBox="1"/>
           <p:nvPr/>
         </p:nvSpPr>
@@ -16436,7 +15706,7 @@
       </p:sp>
       <p:sp>
         <p:nvSpPr>
-          <p:cNvPr id="192" name="Google Shape;192;p20"/>
+          <p:cNvPr id="184" name="Google Shape;184;p19"/>
           <p:cNvSpPr/>
           <p:nvPr/>
         </p:nvSpPr>
@@ -16487,7 +15757,7 @@
       </p:sp>
       <p:sp>
         <p:nvSpPr>
-          <p:cNvPr id="193" name="Google Shape;193;p20"/>
+          <p:cNvPr id="185" name="Google Shape;185;p19"/>
           <p:cNvSpPr txBox="1"/>
           <p:nvPr/>
         </p:nvSpPr>
@@ -16532,7 +15802,7 @@
       </p:sp>
       <p:sp>
         <p:nvSpPr>
-          <p:cNvPr id="194" name="Google Shape;194;p20"/>
+          <p:cNvPr id="186" name="Google Shape;186;p19"/>
           <p:cNvSpPr/>
           <p:nvPr/>
         </p:nvSpPr>
@@ -16588,12 +15858,12 @@
 </p:sld>
 </file>
 
-<file path=ppt/slides/slide5.xml><?xml version="1.0" encoding="utf-8"?>
+<file path=ppt/slides/slide4.xml><?xml version="1.0" encoding="utf-8"?>
 <p:sld xmlns:a="http://schemas.openxmlformats.org/drawingml/2006/main" xmlns:r="http://schemas.openxmlformats.org/officeDocument/2006/relationships" xmlns:mc="http://schemas.openxmlformats.org/markup-compatibility/2006" xmlns:mv="urn:schemas-microsoft-com:mac:vml" xmlns:p="http://schemas.openxmlformats.org/presentationml/2006/main" xmlns:c="http://schemas.openxmlformats.org/drawingml/2006/chart" xmlns:dgm="http://schemas.openxmlformats.org/drawingml/2006/diagram" xmlns:o="urn:schemas-microsoft-com:office:office" xmlns:v="urn:schemas-microsoft-com:vml" xmlns:pvml="urn:schemas-microsoft-com:office:powerpoint" xmlns:com="http://schemas.openxmlformats.org/drawingml/2006/compatibility" xmlns:p14="http://schemas.microsoft.com/office/powerpoint/2010/main" xmlns:p15="http://schemas.microsoft.com/office/powerpoint/2012/main" xmlns:ahyp="http://schemas.microsoft.com/office/drawing/2018/hyperlinkcolor">
   <p:cSld>
     <p:spTree>
       <p:nvGrpSpPr>
-        <p:cNvPr id="198" name="Shape 198"/>
+        <p:cNvPr id="190" name="Shape 190"/>
         <p:cNvGrpSpPr/>
         <p:nvPr/>
       </p:nvGrpSpPr>
@@ -16607,7 +15877,7 @@
       </p:grpSpPr>
       <p:sp>
         <p:nvSpPr>
-          <p:cNvPr id="199" name="Google Shape;199;p21"/>
+          <p:cNvPr id="191" name="Google Shape;191;p20"/>
           <p:cNvSpPr txBox="1"/>
           <p:nvPr>
             <p:ph type="title"/>
@@ -16647,7 +15917,7 @@
       </p:sp>
       <p:sp>
         <p:nvSpPr>
-          <p:cNvPr id="200" name="Google Shape;200;p21"/>
+          <p:cNvPr id="192" name="Google Shape;192;p20"/>
           <p:cNvSpPr txBox="1"/>
           <p:nvPr/>
         </p:nvSpPr>
@@ -16759,6 +16029,248 @@
           </a:p>
         </p:txBody>
       </p:sp>
+    </p:spTree>
+  </p:cSld>
+  <p:clrMapOvr>
+    <a:masterClrMapping/>
+  </p:clrMapOvr>
+</p:sld>
+</file>
+
+<file path=ppt/slides/slide5.xml><?xml version="1.0" encoding="utf-8"?>
+<p:sld xmlns:a="http://schemas.openxmlformats.org/drawingml/2006/main" xmlns:r="http://schemas.openxmlformats.org/officeDocument/2006/relationships" xmlns:mc="http://schemas.openxmlformats.org/markup-compatibility/2006" xmlns:mv="urn:schemas-microsoft-com:mac:vml" xmlns:p="http://schemas.openxmlformats.org/presentationml/2006/main" xmlns:c="http://schemas.openxmlformats.org/drawingml/2006/chart" xmlns:dgm="http://schemas.openxmlformats.org/drawingml/2006/diagram" xmlns:o="urn:schemas-microsoft-com:office:office" xmlns:v="urn:schemas-microsoft-com:vml" xmlns:pvml="urn:schemas-microsoft-com:office:powerpoint" xmlns:com="http://schemas.openxmlformats.org/drawingml/2006/compatibility" xmlns:p14="http://schemas.microsoft.com/office/powerpoint/2010/main" xmlns:p15="http://schemas.microsoft.com/office/powerpoint/2012/main" xmlns:ahyp="http://schemas.microsoft.com/office/drawing/2018/hyperlinkcolor">
+  <p:cSld>
+    <p:spTree>
+      <p:nvGrpSpPr>
+        <p:cNvPr id="196" name="Shape 196"/>
+        <p:cNvGrpSpPr/>
+        <p:nvPr/>
+      </p:nvGrpSpPr>
+      <p:grpSpPr>
+        <a:xfrm>
+          <a:off x="0" y="0"/>
+          <a:ext cx="0" cy="0"/>
+          <a:chOff x="0" y="0"/>
+          <a:chExt cx="0" cy="0"/>
+        </a:xfrm>
+      </p:grpSpPr>
+      <p:sp>
+        <p:nvSpPr>
+          <p:cNvPr id="197" name="Google Shape;197;p21"/>
+          <p:cNvSpPr txBox="1"/>
+          <p:nvPr>
+            <p:ph type="title"/>
+          </p:nvPr>
+        </p:nvSpPr>
+        <p:spPr>
+          <a:xfrm>
+            <a:off x="471900" y="0"/>
+            <a:ext cx="8222100" cy="728400"/>
+          </a:xfrm>
+          <a:prstGeom prst="rect">
+            <a:avLst/>
+          </a:prstGeom>
+        </p:spPr>
+        <p:txBody>
+          <a:bodyPr anchorCtr="0" anchor="ctr" bIns="91425" lIns="91425" spcFirstLastPara="1" rIns="91425" wrap="square" tIns="91425">
+            <a:noAutofit/>
+          </a:bodyPr>
+          <a:lstStyle/>
+          <a:p>
+            <a:pPr indent="0" lvl="0" marL="0" rtl="0" algn="l">
+              <a:spcBef>
+                <a:spcPts val="0"/>
+              </a:spcBef>
+              <a:spcAft>
+                <a:spcPts val="0"/>
+              </a:spcAft>
+              <a:buNone/>
+            </a:pPr>
+            <a:r>
+              <a:rPr b="1" lang="en"/>
+              <a:t>Nội dung và Phương pháp</a:t>
+            </a:r>
+            <a:endParaRPr/>
+          </a:p>
+        </p:txBody>
+      </p:sp>
+      <p:sp>
+        <p:nvSpPr>
+          <p:cNvPr id="198" name="Google Shape;198;p21"/>
+          <p:cNvSpPr txBox="1"/>
+          <p:nvPr/>
+        </p:nvSpPr>
+        <p:spPr>
+          <a:xfrm>
+            <a:off x="471900" y="3001600"/>
+            <a:ext cx="8222100" cy="1554600"/>
+          </a:xfrm>
+          <a:prstGeom prst="rect">
+            <a:avLst/>
+          </a:prstGeom>
+          <a:noFill/>
+          <a:ln>
+            <a:noFill/>
+          </a:ln>
+        </p:spPr>
+        <p:txBody>
+          <a:bodyPr anchorCtr="0" anchor="t" bIns="91425" lIns="91425" spcFirstLastPara="1" rIns="91425" wrap="square" tIns="91425">
+            <a:spAutoFit/>
+          </a:bodyPr>
+          <a:lstStyle/>
+          <a:p>
+            <a:pPr indent="-355600" lvl="0" marL="457200" rtl="0" algn="l">
+              <a:lnSpc>
+                <a:spcPct val="115000"/>
+              </a:lnSpc>
+              <a:spcBef>
+                <a:spcPts val="0"/>
+              </a:spcBef>
+              <a:spcAft>
+                <a:spcPts val="0"/>
+              </a:spcAft>
+              <a:buSzPts val="2000"/>
+              <a:buFont typeface="Roboto"/>
+              <a:buChar char="●"/>
+            </a:pPr>
+            <a:r>
+              <a:rPr lang="en" sz="2000">
+                <a:latin typeface="Roboto"/>
+                <a:ea typeface="Roboto"/>
+                <a:cs typeface="Roboto"/>
+                <a:sym typeface="Roboto"/>
+              </a:rPr>
+              <a:t>Phân loại ảnh chi tiết đối với ảnh khuôn mặt: mắt, mũi, miệng, kết cấu khuôn mặt, … chứa thông tin quyết định đến kết quả phân loại.</a:t>
+            </a:r>
+            <a:endParaRPr sz="2000">
+              <a:latin typeface="Roboto"/>
+              <a:ea typeface="Roboto"/>
+              <a:cs typeface="Roboto"/>
+              <a:sym typeface="Roboto"/>
+            </a:endParaRPr>
+          </a:p>
+          <a:p>
+            <a:pPr indent="-355600" lvl="0" marL="457200" rtl="0" algn="l">
+              <a:lnSpc>
+                <a:spcPct val="115000"/>
+              </a:lnSpc>
+              <a:spcBef>
+                <a:spcPts val="0"/>
+              </a:spcBef>
+              <a:spcAft>
+                <a:spcPts val="0"/>
+              </a:spcAft>
+              <a:buSzPts val="2000"/>
+              <a:buFont typeface="Roboto"/>
+              <a:buChar char="●"/>
+            </a:pPr>
+            <a:r>
+              <a:rPr lang="en" sz="2000">
+                <a:latin typeface="Roboto"/>
+                <a:ea typeface="Roboto"/>
+                <a:cs typeface="Roboto"/>
+                <a:sym typeface="Roboto"/>
+              </a:rPr>
+              <a:t>Cơ chế đa chú ý (multi-attention): nhận dạng và chú ý vào đa dạng (multi) vùng cục bộ chứa trong ảnh chứa thông tin để phân biệt.</a:t>
+            </a:r>
+            <a:endParaRPr sz="2000">
+              <a:latin typeface="Roboto"/>
+              <a:ea typeface="Roboto"/>
+              <a:cs typeface="Roboto"/>
+              <a:sym typeface="Roboto"/>
+            </a:endParaRPr>
+          </a:p>
+        </p:txBody>
+      </p:sp>
+      <p:sp>
+        <p:nvSpPr>
+          <p:cNvPr id="199" name="Google Shape;199;p21"/>
+          <p:cNvSpPr txBox="1"/>
+          <p:nvPr/>
+        </p:nvSpPr>
+        <p:spPr>
+          <a:xfrm>
+            <a:off x="471900" y="788925"/>
+            <a:ext cx="1785600" cy="615600"/>
+          </a:xfrm>
+          <a:prstGeom prst="rect">
+            <a:avLst/>
+          </a:prstGeom>
+          <a:noFill/>
+          <a:ln>
+            <a:noFill/>
+          </a:ln>
+        </p:spPr>
+        <p:txBody>
+          <a:bodyPr anchorCtr="0" anchor="t" bIns="91425" lIns="91425" spcFirstLastPara="1" rIns="91425" wrap="square" tIns="91425">
+            <a:spAutoFit/>
+          </a:bodyPr>
+          <a:lstStyle/>
+          <a:p>
+            <a:pPr indent="0" lvl="0" marL="0" marR="0" rtl="0" algn="l">
+              <a:lnSpc>
+                <a:spcPct val="100000"/>
+              </a:lnSpc>
+              <a:spcBef>
+                <a:spcPts val="0"/>
+              </a:spcBef>
+              <a:spcAft>
+                <a:spcPts val="0"/>
+              </a:spcAft>
+              <a:buNone/>
+            </a:pPr>
+            <a:r>
+              <a:rPr b="1" lang="en" sz="2800">
+                <a:solidFill>
+                  <a:srgbClr val="212121"/>
+                </a:solidFill>
+                <a:latin typeface="Roboto"/>
+                <a:ea typeface="Roboto"/>
+                <a:cs typeface="Roboto"/>
+                <a:sym typeface="Roboto"/>
+              </a:rPr>
+              <a:t>Nội dung</a:t>
+            </a:r>
+            <a:endParaRPr b="1" sz="2800">
+              <a:solidFill>
+                <a:srgbClr val="212121"/>
+              </a:solidFill>
+              <a:latin typeface="Roboto"/>
+              <a:ea typeface="Roboto"/>
+              <a:cs typeface="Roboto"/>
+              <a:sym typeface="Roboto"/>
+            </a:endParaRPr>
+          </a:p>
+        </p:txBody>
+      </p:sp>
+      <p:pic>
+        <p:nvPicPr>
+          <p:cNvPr id="200" name="Google Shape;200;p21"/>
+          <p:cNvPicPr preferRelativeResize="0"/>
+          <p:nvPr/>
+        </p:nvPicPr>
+        <p:blipFill>
+          <a:blip r:embed="rId3">
+            <a:alphaModFix/>
+          </a:blip>
+          <a:stretch>
+            <a:fillRect/>
+          </a:stretch>
+        </p:blipFill>
+        <p:spPr>
+          <a:xfrm>
+            <a:off x="1570302" y="1416000"/>
+            <a:ext cx="6003398" cy="1394400"/>
+          </a:xfrm>
+          <a:prstGeom prst="rect">
+            <a:avLst/>
+          </a:prstGeom>
+          <a:noFill/>
+          <a:ln>
+            <a:noFill/>
+          </a:ln>
+        </p:spPr>
+      </p:pic>
     </p:spTree>
   </p:cSld>
   <p:clrMapOvr>
@@ -16832,8 +16344,8 @@
         </p:nvSpPr>
         <p:spPr>
           <a:xfrm>
-            <a:off x="471900" y="3001600"/>
-            <a:ext cx="8222100" cy="1554600"/>
+            <a:off x="471900" y="2544400"/>
+            <a:ext cx="8421900" cy="2237100"/>
           </a:xfrm>
           <a:prstGeom prst="rect">
             <a:avLst/>
@@ -16851,7 +16363,87 @@
           <a:p>
             <a:pPr indent="-355600" lvl="0" marL="457200" rtl="0" algn="l">
               <a:lnSpc>
-                <a:spcPct val="115000"/>
+                <a:spcPct val="100000"/>
+              </a:lnSpc>
+              <a:spcBef>
+                <a:spcPts val="0"/>
+              </a:spcBef>
+              <a:spcAft>
+                <a:spcPts val="0"/>
+              </a:spcAft>
+              <a:buSzPts val="2000"/>
+              <a:buFont typeface="Roboto"/>
+              <a:buChar char="●"/>
+            </a:pPr>
+            <a:r>
+              <a:rPr b="1" lang="en" sz="2000">
+                <a:latin typeface="Roboto"/>
+                <a:ea typeface="Roboto"/>
+                <a:cs typeface="Roboto"/>
+                <a:sym typeface="Roboto"/>
+              </a:rPr>
+              <a:t>Module attention</a:t>
+            </a:r>
+            <a:r>
+              <a:rPr lang="en" sz="2000">
+                <a:latin typeface="Roboto"/>
+                <a:ea typeface="Roboto"/>
+                <a:cs typeface="Roboto"/>
+                <a:sym typeface="Roboto"/>
+              </a:rPr>
+              <a:t>: tạo các bản đồ chú ý (attention map).</a:t>
+            </a:r>
+            <a:endParaRPr sz="2000">
+              <a:latin typeface="Roboto"/>
+              <a:ea typeface="Roboto"/>
+              <a:cs typeface="Roboto"/>
+              <a:sym typeface="Roboto"/>
+            </a:endParaRPr>
+          </a:p>
+          <a:p>
+            <a:pPr indent="-355600" lvl="0" marL="457200" rtl="0" algn="l">
+              <a:lnSpc>
+                <a:spcPct val="100000"/>
+              </a:lnSpc>
+              <a:spcBef>
+                <a:spcPts val="0"/>
+              </a:spcBef>
+              <a:spcAft>
+                <a:spcPts val="0"/>
+              </a:spcAft>
+              <a:buSzPts val="2000"/>
+              <a:buFont typeface="Roboto"/>
+              <a:buChar char="●"/>
+            </a:pPr>
+            <a:r>
+              <a:rPr b="1" lang="en" sz="2000">
+                <a:latin typeface="Roboto"/>
+                <a:ea typeface="Roboto"/>
+                <a:cs typeface="Roboto"/>
+                <a:sym typeface="Roboto"/>
+              </a:rPr>
+              <a:t>Module attention pooling</a:t>
+            </a:r>
+            <a:r>
+              <a:rPr lang="en" sz="2000">
+                <a:latin typeface="Roboto"/>
+                <a:ea typeface="Roboto"/>
+                <a:cs typeface="Roboto"/>
+                <a:sym typeface="Roboto"/>
+              </a:rPr>
+              <a:t>: gộp thông tin từ bản đồ chú ý với:</a:t>
+            </a:r>
+            <a:endParaRPr sz="2000">
+              <a:latin typeface="Roboto"/>
+              <a:ea typeface="Roboto"/>
+              <a:cs typeface="Roboto"/>
+              <a:sym typeface="Roboto"/>
+            </a:endParaRPr>
+          </a:p>
+          <a:p>
+            <a:pPr indent="-355600" lvl="0" marL="1371600" rtl="0" algn="l">
+              <a:lnSpc>
+                <a:spcPct val="100000"/>
               </a:lnSpc>
               <a:spcBef>
                 <a:spcPts val="0"/>
@@ -16870,7 +16462,7 @@
                 <a:cs typeface="Roboto"/>
                 <a:sym typeface="Roboto"/>
               </a:rPr>
-              <a:t>Phân loại ảnh chi tiết đối với ảnh khuôn mặt: mắt, mũi, miệng, kết cấu khuôn mặt, … chứa thông tin quyết định đến kết quả phân loại.</a:t>
+              <a:t>đặc trưng cấp thấp được tăng cường.</a:t>
             </a:r>
             <a:endParaRPr sz="2000">
               <a:latin typeface="Roboto"/>
@@ -16880,9 +16472,9 @@
             </a:endParaRPr>
           </a:p>
           <a:p>
-            <a:pPr indent="-355600" lvl="0" marL="457200" rtl="0" algn="l">
-              <a:lnSpc>
-                <a:spcPct val="115000"/>
+            <a:pPr indent="-355600" lvl="0" marL="1371600" rtl="0" algn="l">
+              <a:lnSpc>
+                <a:spcPct val="100000"/>
               </a:lnSpc>
               <a:spcBef>
                 <a:spcPts val="0"/>
@@ -16901,7 +16493,76 @@
                 <a:cs typeface="Roboto"/>
                 <a:sym typeface="Roboto"/>
               </a:rPr>
-              <a:t>Cơ chế đa chú ý (multi-attention): nhận dạng và chú ý vào đa dạng (multi) vùng cục bộ chứa trong ảnh chứa thông tin để phân biệt.</a:t>
+              <a:t>đặc trưng ngữ nghĩa cấp cao.</a:t>
+            </a:r>
+            <a:endParaRPr sz="2000">
+              <a:latin typeface="Roboto"/>
+              <a:ea typeface="Roboto"/>
+              <a:cs typeface="Roboto"/>
+              <a:sym typeface="Roboto"/>
+            </a:endParaRPr>
+          </a:p>
+          <a:p>
+            <a:pPr indent="-355600" lvl="0" marL="457200" rtl="0" algn="l">
+              <a:lnSpc>
+                <a:spcPct val="100000"/>
+              </a:lnSpc>
+              <a:spcBef>
+                <a:spcPts val="0"/>
+              </a:spcBef>
+              <a:spcAft>
+                <a:spcPts val="0"/>
+              </a:spcAft>
+              <a:buSzPts val="2000"/>
+              <a:buFont typeface="Roboto"/>
+              <a:buChar char="●"/>
+            </a:pPr>
+            <a:r>
+              <a:rPr b="1" lang="en" sz="2000">
+                <a:latin typeface="Roboto"/>
+                <a:ea typeface="Roboto"/>
+                <a:cs typeface="Roboto"/>
+                <a:sym typeface="Roboto"/>
+              </a:rPr>
+              <a:t>Backbone layer</a:t>
+            </a:r>
+            <a:r>
+              <a:rPr lang="en" sz="2000">
+                <a:latin typeface="Roboto"/>
+                <a:ea typeface="Roboto"/>
+                <a:cs typeface="Roboto"/>
+                <a:sym typeface="Roboto"/>
+              </a:rPr>
+              <a:t>: lớp trích xuất đặc trưng.</a:t>
+            </a:r>
+            <a:endParaRPr sz="2000">
+              <a:latin typeface="Roboto"/>
+              <a:ea typeface="Roboto"/>
+              <a:cs typeface="Roboto"/>
+              <a:sym typeface="Roboto"/>
+            </a:endParaRPr>
+          </a:p>
+          <a:p>
+            <a:pPr indent="0" lvl="0" marL="0" rtl="0" algn="l">
+              <a:lnSpc>
+                <a:spcPct val="100000"/>
+              </a:lnSpc>
+              <a:spcBef>
+                <a:spcPts val="1600"/>
+              </a:spcBef>
+              <a:spcAft>
+                <a:spcPts val="1600"/>
+              </a:spcAft>
+              <a:buNone/>
+            </a:pPr>
+            <a:r>
+              <a:rPr lang="en" sz="2000">
+                <a:latin typeface="Roboto"/>
+                <a:ea typeface="Roboto"/>
+                <a:cs typeface="Roboto"/>
+                <a:sym typeface="Roboto"/>
+              </a:rPr>
+              <a:t>Cần có phương pháp huấn luyện mới để các attention map độc lập nhau</a:t>
             </a:r>
             <a:endParaRPr sz="2000">
               <a:latin typeface="Roboto"/>
@@ -16989,397 +16650,6 @@
         </p:blipFill>
         <p:spPr>
           <a:xfrm>
-            <a:off x="1570302" y="1416000"/>
-            <a:ext cx="6003398" cy="1394400"/>
-          </a:xfrm>
-          <a:prstGeom prst="rect">
-            <a:avLst/>
-          </a:prstGeom>
-          <a:noFill/>
-          <a:ln>
-            <a:noFill/>
-          </a:ln>
-        </p:spPr>
-      </p:pic>
-    </p:spTree>
-  </p:cSld>
-  <p:clrMapOvr>
-    <a:masterClrMapping/>
-  </p:clrMapOvr>
-</p:sld>
-</file>
-
-<file path=ppt/slides/slide7.xml><?xml version="1.0" encoding="utf-8"?>
-<p:sld xmlns:a="http://schemas.openxmlformats.org/drawingml/2006/main" xmlns:r="http://schemas.openxmlformats.org/officeDocument/2006/relationships" xmlns:mc="http://schemas.openxmlformats.org/markup-compatibility/2006" xmlns:mv="urn:schemas-microsoft-com:mac:vml" xmlns:p="http://schemas.openxmlformats.org/presentationml/2006/main" xmlns:c="http://schemas.openxmlformats.org/drawingml/2006/chart" xmlns:dgm="http://schemas.openxmlformats.org/drawingml/2006/diagram" xmlns:o="urn:schemas-microsoft-com:office:office" xmlns:v="urn:schemas-microsoft-com:vml" xmlns:pvml="urn:schemas-microsoft-com:office:powerpoint" xmlns:com="http://schemas.openxmlformats.org/drawingml/2006/compatibility" xmlns:p14="http://schemas.microsoft.com/office/powerpoint/2010/main" xmlns:p15="http://schemas.microsoft.com/office/powerpoint/2012/main" xmlns:ahyp="http://schemas.microsoft.com/office/drawing/2018/hyperlinkcolor">
-  <p:cSld>
-    <p:spTree>
-      <p:nvGrpSpPr>
-        <p:cNvPr id="212" name="Shape 212"/>
-        <p:cNvGrpSpPr/>
-        <p:nvPr/>
-      </p:nvGrpSpPr>
-      <p:grpSpPr>
-        <a:xfrm>
-          <a:off x="0" y="0"/>
-          <a:ext cx="0" cy="0"/>
-          <a:chOff x="0" y="0"/>
-          <a:chExt cx="0" cy="0"/>
-        </a:xfrm>
-      </p:grpSpPr>
-      <p:sp>
-        <p:nvSpPr>
-          <p:cNvPr id="213" name="Google Shape;213;p23"/>
-          <p:cNvSpPr txBox="1"/>
-          <p:nvPr>
-            <p:ph type="title"/>
-          </p:nvPr>
-        </p:nvSpPr>
-        <p:spPr>
-          <a:xfrm>
-            <a:off x="471900" y="0"/>
-            <a:ext cx="8222100" cy="728400"/>
-          </a:xfrm>
-          <a:prstGeom prst="rect">
-            <a:avLst/>
-          </a:prstGeom>
-        </p:spPr>
-        <p:txBody>
-          <a:bodyPr anchorCtr="0" anchor="ctr" bIns="91425" lIns="91425" spcFirstLastPara="1" rIns="91425" wrap="square" tIns="91425">
-            <a:noAutofit/>
-          </a:bodyPr>
-          <a:lstStyle/>
-          <a:p>
-            <a:pPr indent="0" lvl="0" marL="0" rtl="0" algn="l">
-              <a:spcBef>
-                <a:spcPts val="0"/>
-              </a:spcBef>
-              <a:spcAft>
-                <a:spcPts val="0"/>
-              </a:spcAft>
-              <a:buNone/>
-            </a:pPr>
-            <a:r>
-              <a:rPr b="1" lang="en"/>
-              <a:t>Nội dung và Phương pháp</a:t>
-            </a:r>
-            <a:endParaRPr/>
-          </a:p>
-        </p:txBody>
-      </p:sp>
-      <p:sp>
-        <p:nvSpPr>
-          <p:cNvPr id="214" name="Google Shape;214;p23"/>
-          <p:cNvSpPr txBox="1"/>
-          <p:nvPr/>
-        </p:nvSpPr>
-        <p:spPr>
-          <a:xfrm>
-            <a:off x="471900" y="2544400"/>
-            <a:ext cx="8421900" cy="2237100"/>
-          </a:xfrm>
-          <a:prstGeom prst="rect">
-            <a:avLst/>
-          </a:prstGeom>
-          <a:noFill/>
-          <a:ln>
-            <a:noFill/>
-          </a:ln>
-        </p:spPr>
-        <p:txBody>
-          <a:bodyPr anchorCtr="0" anchor="t" bIns="91425" lIns="91425" spcFirstLastPara="1" rIns="91425" wrap="square" tIns="91425">
-            <a:spAutoFit/>
-          </a:bodyPr>
-          <a:lstStyle/>
-          <a:p>
-            <a:pPr indent="-355600" lvl="0" marL="457200" rtl="0" algn="l">
-              <a:lnSpc>
-                <a:spcPct val="100000"/>
-              </a:lnSpc>
-              <a:spcBef>
-                <a:spcPts val="0"/>
-              </a:spcBef>
-              <a:spcAft>
-                <a:spcPts val="0"/>
-              </a:spcAft>
-              <a:buSzPts val="2000"/>
-              <a:buFont typeface="Roboto"/>
-              <a:buChar char="●"/>
-            </a:pPr>
-            <a:r>
-              <a:rPr b="1" lang="en" sz="2000">
-                <a:latin typeface="Roboto"/>
-                <a:ea typeface="Roboto"/>
-                <a:cs typeface="Roboto"/>
-                <a:sym typeface="Roboto"/>
-              </a:rPr>
-              <a:t>Module attention</a:t>
-            </a:r>
-            <a:r>
-              <a:rPr lang="en" sz="2000">
-                <a:latin typeface="Roboto"/>
-                <a:ea typeface="Roboto"/>
-                <a:cs typeface="Roboto"/>
-                <a:sym typeface="Roboto"/>
-              </a:rPr>
-              <a:t>: tạo các bản đồ chú ý (attention map).</a:t>
-            </a:r>
-            <a:endParaRPr sz="2000">
-              <a:latin typeface="Roboto"/>
-              <a:ea typeface="Roboto"/>
-              <a:cs typeface="Roboto"/>
-              <a:sym typeface="Roboto"/>
-            </a:endParaRPr>
-          </a:p>
-          <a:p>
-            <a:pPr indent="-355600" lvl="0" marL="457200" rtl="0" algn="l">
-              <a:lnSpc>
-                <a:spcPct val="100000"/>
-              </a:lnSpc>
-              <a:spcBef>
-                <a:spcPts val="0"/>
-              </a:spcBef>
-              <a:spcAft>
-                <a:spcPts val="0"/>
-              </a:spcAft>
-              <a:buSzPts val="2000"/>
-              <a:buFont typeface="Roboto"/>
-              <a:buChar char="●"/>
-            </a:pPr>
-            <a:r>
-              <a:rPr b="1" lang="en" sz="2000">
-                <a:latin typeface="Roboto"/>
-                <a:ea typeface="Roboto"/>
-                <a:cs typeface="Roboto"/>
-                <a:sym typeface="Roboto"/>
-              </a:rPr>
-              <a:t>Module attention pooling</a:t>
-            </a:r>
-            <a:r>
-              <a:rPr lang="en" sz="2000">
-                <a:latin typeface="Roboto"/>
-                <a:ea typeface="Roboto"/>
-                <a:cs typeface="Roboto"/>
-                <a:sym typeface="Roboto"/>
-              </a:rPr>
-              <a:t>: gộp thông tin từ bản đồ chú ý với:</a:t>
-            </a:r>
-            <a:endParaRPr sz="2000">
-              <a:latin typeface="Roboto"/>
-              <a:ea typeface="Roboto"/>
-              <a:cs typeface="Roboto"/>
-              <a:sym typeface="Roboto"/>
-            </a:endParaRPr>
-          </a:p>
-          <a:p>
-            <a:pPr indent="-355600" lvl="0" marL="1371600" rtl="0" algn="l">
-              <a:lnSpc>
-                <a:spcPct val="100000"/>
-              </a:lnSpc>
-              <a:spcBef>
-                <a:spcPts val="0"/>
-              </a:spcBef>
-              <a:spcAft>
-                <a:spcPts val="0"/>
-              </a:spcAft>
-              <a:buSzPts val="2000"/>
-              <a:buFont typeface="Roboto"/>
-              <a:buChar char="●"/>
-            </a:pPr>
-            <a:r>
-              <a:rPr lang="en" sz="2000">
-                <a:latin typeface="Roboto"/>
-                <a:ea typeface="Roboto"/>
-                <a:cs typeface="Roboto"/>
-                <a:sym typeface="Roboto"/>
-              </a:rPr>
-              <a:t>đặc trưng cấp thấp được tăng cường.</a:t>
-            </a:r>
-            <a:endParaRPr sz="2000">
-              <a:latin typeface="Roboto"/>
-              <a:ea typeface="Roboto"/>
-              <a:cs typeface="Roboto"/>
-              <a:sym typeface="Roboto"/>
-            </a:endParaRPr>
-          </a:p>
-          <a:p>
-            <a:pPr indent="-355600" lvl="0" marL="1371600" rtl="0" algn="l">
-              <a:lnSpc>
-                <a:spcPct val="100000"/>
-              </a:lnSpc>
-              <a:spcBef>
-                <a:spcPts val="0"/>
-              </a:spcBef>
-              <a:spcAft>
-                <a:spcPts val="0"/>
-              </a:spcAft>
-              <a:buSzPts val="2000"/>
-              <a:buFont typeface="Roboto"/>
-              <a:buChar char="●"/>
-            </a:pPr>
-            <a:r>
-              <a:rPr lang="en" sz="2000">
-                <a:latin typeface="Roboto"/>
-                <a:ea typeface="Roboto"/>
-                <a:cs typeface="Roboto"/>
-                <a:sym typeface="Roboto"/>
-              </a:rPr>
-              <a:t>đặc trưng ngữ nghĩa cấp cao.</a:t>
-            </a:r>
-            <a:endParaRPr sz="2000">
-              <a:latin typeface="Roboto"/>
-              <a:ea typeface="Roboto"/>
-              <a:cs typeface="Roboto"/>
-              <a:sym typeface="Roboto"/>
-            </a:endParaRPr>
-          </a:p>
-          <a:p>
-            <a:pPr indent="-355600" lvl="0" marL="457200" rtl="0" algn="l">
-              <a:lnSpc>
-                <a:spcPct val="100000"/>
-              </a:lnSpc>
-              <a:spcBef>
-                <a:spcPts val="0"/>
-              </a:spcBef>
-              <a:spcAft>
-                <a:spcPts val="0"/>
-              </a:spcAft>
-              <a:buSzPts val="2000"/>
-              <a:buFont typeface="Roboto"/>
-              <a:buChar char="●"/>
-            </a:pPr>
-            <a:r>
-              <a:rPr b="1" lang="en" sz="2000">
-                <a:latin typeface="Roboto"/>
-                <a:ea typeface="Roboto"/>
-                <a:cs typeface="Roboto"/>
-                <a:sym typeface="Roboto"/>
-              </a:rPr>
-              <a:t>Backbone layer</a:t>
-            </a:r>
-            <a:r>
-              <a:rPr lang="en" sz="2000">
-                <a:latin typeface="Roboto"/>
-                <a:ea typeface="Roboto"/>
-                <a:cs typeface="Roboto"/>
-                <a:sym typeface="Roboto"/>
-              </a:rPr>
-              <a:t>: lớp trích xuất đặc trưng.</a:t>
-            </a:r>
-            <a:endParaRPr sz="2000">
-              <a:latin typeface="Roboto"/>
-              <a:ea typeface="Roboto"/>
-              <a:cs typeface="Roboto"/>
-              <a:sym typeface="Roboto"/>
-            </a:endParaRPr>
-          </a:p>
-          <a:p>
-            <a:pPr indent="0" lvl="0" marL="0" rtl="0" algn="l">
-              <a:lnSpc>
-                <a:spcPct val="100000"/>
-              </a:lnSpc>
-              <a:spcBef>
-                <a:spcPts val="1600"/>
-              </a:spcBef>
-              <a:spcAft>
-                <a:spcPts val="1600"/>
-              </a:spcAft>
-              <a:buNone/>
-            </a:pPr>
-            <a:r>
-              <a:rPr lang="en" sz="2000">
-                <a:latin typeface="Roboto"/>
-                <a:ea typeface="Roboto"/>
-                <a:cs typeface="Roboto"/>
-                <a:sym typeface="Roboto"/>
-              </a:rPr>
-              <a:t>Cần có phương pháp huấn luyện mới để các attention map độc lập nhau</a:t>
-            </a:r>
-            <a:endParaRPr sz="2000">
-              <a:latin typeface="Roboto"/>
-              <a:ea typeface="Roboto"/>
-              <a:cs typeface="Roboto"/>
-              <a:sym typeface="Roboto"/>
-            </a:endParaRPr>
-          </a:p>
-        </p:txBody>
-      </p:sp>
-      <p:sp>
-        <p:nvSpPr>
-          <p:cNvPr id="215" name="Google Shape;215;p23"/>
-          <p:cNvSpPr txBox="1"/>
-          <p:nvPr/>
-        </p:nvSpPr>
-        <p:spPr>
-          <a:xfrm>
-            <a:off x="471900" y="788925"/>
-            <a:ext cx="1785600" cy="615600"/>
-          </a:xfrm>
-          <a:prstGeom prst="rect">
-            <a:avLst/>
-          </a:prstGeom>
-          <a:noFill/>
-          <a:ln>
-            <a:noFill/>
-          </a:ln>
-        </p:spPr>
-        <p:txBody>
-          <a:bodyPr anchorCtr="0" anchor="t" bIns="91425" lIns="91425" spcFirstLastPara="1" rIns="91425" wrap="square" tIns="91425">
-            <a:spAutoFit/>
-          </a:bodyPr>
-          <a:lstStyle/>
-          <a:p>
-            <a:pPr indent="0" lvl="0" marL="0" marR="0" rtl="0" algn="l">
-              <a:lnSpc>
-                <a:spcPct val="100000"/>
-              </a:lnSpc>
-              <a:spcBef>
-                <a:spcPts val="0"/>
-              </a:spcBef>
-              <a:spcAft>
-                <a:spcPts val="0"/>
-              </a:spcAft>
-              <a:buNone/>
-            </a:pPr>
-            <a:r>
-              <a:rPr b="1" lang="en" sz="2800">
-                <a:solidFill>
-                  <a:srgbClr val="212121"/>
-                </a:solidFill>
-                <a:latin typeface="Roboto"/>
-                <a:ea typeface="Roboto"/>
-                <a:cs typeface="Roboto"/>
-                <a:sym typeface="Roboto"/>
-              </a:rPr>
-              <a:t>Nội dung</a:t>
-            </a:r>
-            <a:endParaRPr b="1" sz="2800">
-              <a:solidFill>
-                <a:srgbClr val="212121"/>
-              </a:solidFill>
-              <a:latin typeface="Roboto"/>
-              <a:ea typeface="Roboto"/>
-              <a:cs typeface="Roboto"/>
-              <a:sym typeface="Roboto"/>
-            </a:endParaRPr>
-          </a:p>
-        </p:txBody>
-      </p:sp>
-      <p:pic>
-        <p:nvPicPr>
-          <p:cNvPr id="216" name="Google Shape;216;p23"/>
-          <p:cNvPicPr preferRelativeResize="0"/>
-          <p:nvPr/>
-        </p:nvPicPr>
-        <p:blipFill>
-          <a:blip r:embed="rId3">
-            <a:alphaModFix/>
-          </a:blip>
-          <a:stretch>
-            <a:fillRect/>
-          </a:stretch>
-        </p:blipFill>
-        <p:spPr>
-          <a:xfrm>
             <a:off x="2780161" y="788925"/>
             <a:ext cx="6298765" cy="1871250"/>
           </a:xfrm>
@@ -17394,7 +16664,7 @@
       </p:pic>
       <p:sp>
         <p:nvSpPr>
-          <p:cNvPr id="217" name="Google Shape;217;p23"/>
+          <p:cNvPr id="209" name="Google Shape;209;p22"/>
           <p:cNvSpPr txBox="1"/>
           <p:nvPr/>
         </p:nvSpPr>
@@ -17458,12 +16728,12 @@
 </p:sld>
 </file>
 
-<file path=ppt/slides/slide8.xml><?xml version="1.0" encoding="utf-8"?>
+<file path=ppt/slides/slide7.xml><?xml version="1.0" encoding="utf-8"?>
 <p:sld xmlns:a="http://schemas.openxmlformats.org/drawingml/2006/main" xmlns:r="http://schemas.openxmlformats.org/officeDocument/2006/relationships" xmlns:mc="http://schemas.openxmlformats.org/markup-compatibility/2006" xmlns:mv="urn:schemas-microsoft-com:mac:vml" xmlns:p="http://schemas.openxmlformats.org/presentationml/2006/main" xmlns:c="http://schemas.openxmlformats.org/drawingml/2006/chart" xmlns:dgm="http://schemas.openxmlformats.org/drawingml/2006/diagram" xmlns:o="urn:schemas-microsoft-com:office:office" xmlns:v="urn:schemas-microsoft-com:vml" xmlns:pvml="urn:schemas-microsoft-com:office:powerpoint" xmlns:com="http://schemas.openxmlformats.org/drawingml/2006/compatibility" xmlns:p14="http://schemas.microsoft.com/office/powerpoint/2010/main" xmlns:p15="http://schemas.microsoft.com/office/powerpoint/2012/main" xmlns:ahyp="http://schemas.microsoft.com/office/drawing/2018/hyperlinkcolor">
   <p:cSld>
     <p:spTree>
       <p:nvGrpSpPr>
-        <p:cNvPr id="221" name="Shape 221"/>
+        <p:cNvPr id="213" name="Shape 213"/>
         <p:cNvGrpSpPr/>
         <p:nvPr/>
       </p:nvGrpSpPr>
@@ -17477,7 +16747,7 @@
       </p:grpSpPr>
       <p:sp>
         <p:nvSpPr>
-          <p:cNvPr id="222" name="Google Shape;222;p24"/>
+          <p:cNvPr id="214" name="Google Shape;214;p23"/>
           <p:cNvSpPr txBox="1"/>
           <p:nvPr>
             <p:ph type="title"/>
@@ -17517,7 +16787,7 @@
       </p:sp>
       <p:sp>
         <p:nvSpPr>
-          <p:cNvPr id="223" name="Google Shape;223;p24"/>
+          <p:cNvPr id="215" name="Google Shape;215;p23"/>
           <p:cNvSpPr txBox="1"/>
           <p:nvPr/>
         </p:nvSpPr>
@@ -17769,7 +17039,7 @@
       </p:sp>
       <p:sp>
         <p:nvSpPr>
-          <p:cNvPr id="224" name="Google Shape;224;p24"/>
+          <p:cNvPr id="216" name="Google Shape;216;p23"/>
           <p:cNvSpPr txBox="1"/>
           <p:nvPr/>
         </p:nvSpPr>
@@ -17836,12 +17106,12 @@
 </p:sld>
 </file>
 
-<file path=ppt/slides/slide9.xml><?xml version="1.0" encoding="utf-8"?>
+<file path=ppt/slides/slide8.xml><?xml version="1.0" encoding="utf-8"?>
 <p:sld xmlns:a="http://schemas.openxmlformats.org/drawingml/2006/main" xmlns:r="http://schemas.openxmlformats.org/officeDocument/2006/relationships" xmlns:mc="http://schemas.openxmlformats.org/markup-compatibility/2006" xmlns:mv="urn:schemas-microsoft-com:mac:vml" xmlns:p="http://schemas.openxmlformats.org/presentationml/2006/main" xmlns:c="http://schemas.openxmlformats.org/drawingml/2006/chart" xmlns:dgm="http://schemas.openxmlformats.org/drawingml/2006/diagram" xmlns:o="urn:schemas-microsoft-com:office:office" xmlns:v="urn:schemas-microsoft-com:vml" xmlns:pvml="urn:schemas-microsoft-com:office:powerpoint" xmlns:com="http://schemas.openxmlformats.org/drawingml/2006/compatibility" xmlns:p14="http://schemas.microsoft.com/office/powerpoint/2010/main" xmlns:p15="http://schemas.microsoft.com/office/powerpoint/2012/main" xmlns:ahyp="http://schemas.microsoft.com/office/drawing/2018/hyperlinkcolor">
   <p:cSld>
     <p:spTree>
       <p:nvGrpSpPr>
-        <p:cNvPr id="228" name="Shape 228"/>
+        <p:cNvPr id="220" name="Shape 220"/>
         <p:cNvGrpSpPr/>
         <p:nvPr/>
       </p:nvGrpSpPr>
@@ -17855,7 +17125,7 @@
       </p:grpSpPr>
       <p:sp>
         <p:nvSpPr>
-          <p:cNvPr id="229" name="Google Shape;229;p25"/>
+          <p:cNvPr id="221" name="Google Shape;221;p24"/>
           <p:cNvSpPr txBox="1"/>
           <p:nvPr>
             <p:ph type="title"/>
@@ -17895,7 +17165,7 @@
       </p:sp>
       <p:sp>
         <p:nvSpPr>
-          <p:cNvPr id="230" name="Google Shape;230;p25"/>
+          <p:cNvPr id="222" name="Google Shape;222;p24"/>
           <p:cNvSpPr txBox="1"/>
           <p:nvPr/>
         </p:nvSpPr>
@@ -18066,6 +17336,418 @@
               <a:cs typeface="Roboto"/>
               <a:sym typeface="Roboto"/>
             </a:endParaRPr>
+          </a:p>
+        </p:txBody>
+      </p:sp>
+    </p:spTree>
+  </p:cSld>
+  <p:clrMapOvr>
+    <a:masterClrMapping/>
+  </p:clrMapOvr>
+</p:sld>
+</file>
+
+<file path=ppt/slides/slide9.xml><?xml version="1.0" encoding="utf-8"?>
+<p:sld xmlns:a="http://schemas.openxmlformats.org/drawingml/2006/main" xmlns:r="http://schemas.openxmlformats.org/officeDocument/2006/relationships" xmlns:mc="http://schemas.openxmlformats.org/markup-compatibility/2006" xmlns:mv="urn:schemas-microsoft-com:mac:vml" xmlns:p="http://schemas.openxmlformats.org/presentationml/2006/main" xmlns:c="http://schemas.openxmlformats.org/drawingml/2006/chart" xmlns:dgm="http://schemas.openxmlformats.org/drawingml/2006/diagram" xmlns:o="urn:schemas-microsoft-com:office:office" xmlns:v="urn:schemas-microsoft-com:vml" xmlns:pvml="urn:schemas-microsoft-com:office:powerpoint" xmlns:com="http://schemas.openxmlformats.org/drawingml/2006/compatibility" xmlns:p14="http://schemas.microsoft.com/office/powerpoint/2010/main" xmlns:p15="http://schemas.microsoft.com/office/powerpoint/2012/main" xmlns:ahyp="http://schemas.microsoft.com/office/drawing/2018/hyperlinkcolor">
+  <p:cSld>
+    <p:spTree>
+      <p:nvGrpSpPr>
+        <p:cNvPr id="226" name="Shape 226"/>
+        <p:cNvGrpSpPr/>
+        <p:nvPr/>
+      </p:nvGrpSpPr>
+      <p:grpSpPr>
+        <a:xfrm>
+          <a:off x="0" y="0"/>
+          <a:ext cx="0" cy="0"/>
+          <a:chOff x="0" y="0"/>
+          <a:chExt cx="0" cy="0"/>
+        </a:xfrm>
+      </p:grpSpPr>
+      <p:sp>
+        <p:nvSpPr>
+          <p:cNvPr id="227" name="Google Shape;227;p25"/>
+          <p:cNvSpPr txBox="1"/>
+          <p:nvPr>
+            <p:ph type="title"/>
+          </p:nvPr>
+        </p:nvSpPr>
+        <p:spPr>
+          <a:xfrm>
+            <a:off x="471900" y="0"/>
+            <a:ext cx="8222100" cy="728400"/>
+          </a:xfrm>
+          <a:prstGeom prst="rect">
+            <a:avLst/>
+          </a:prstGeom>
+        </p:spPr>
+        <p:txBody>
+          <a:bodyPr anchorCtr="0" anchor="ctr" bIns="91425" lIns="91425" spcFirstLastPara="1" rIns="91425" wrap="square" tIns="91425">
+            <a:noAutofit/>
+          </a:bodyPr>
+          <a:lstStyle/>
+          <a:p>
+            <a:pPr indent="0" lvl="0" marL="0" rtl="0" algn="l">
+              <a:spcBef>
+                <a:spcPts val="0"/>
+              </a:spcBef>
+              <a:spcAft>
+                <a:spcPts val="0"/>
+              </a:spcAft>
+              <a:buNone/>
+            </a:pPr>
+            <a:r>
+              <a:rPr b="1" lang="en"/>
+              <a:t>Tài liệu tham khảo</a:t>
+            </a:r>
+            <a:endParaRPr/>
+          </a:p>
+        </p:txBody>
+      </p:sp>
+      <p:sp>
+        <p:nvSpPr>
+          <p:cNvPr id="228" name="Google Shape;228;p25"/>
+          <p:cNvSpPr txBox="1"/>
+          <p:nvPr>
+            <p:ph idx="1" type="body"/>
+          </p:nvPr>
+        </p:nvSpPr>
+        <p:spPr>
+          <a:xfrm>
+            <a:off x="66150" y="668100"/>
+            <a:ext cx="8898300" cy="4149900"/>
+          </a:xfrm>
+          <a:prstGeom prst="rect">
+            <a:avLst/>
+          </a:prstGeom>
+        </p:spPr>
+        <p:txBody>
+          <a:bodyPr anchorCtr="0" anchor="t" bIns="91425" lIns="91425" spcFirstLastPara="1" rIns="91425" wrap="square" tIns="91425">
+            <a:noAutofit/>
+          </a:bodyPr>
+          <a:lstStyle/>
+          <a:p>
+            <a:pPr indent="0" lvl="0" marL="0" rtl="0" algn="l">
+              <a:lnSpc>
+                <a:spcPct val="100000"/>
+              </a:lnSpc>
+              <a:spcBef>
+                <a:spcPts val="0"/>
+              </a:spcBef>
+              <a:spcAft>
+                <a:spcPts val="0"/>
+              </a:spcAft>
+              <a:buNone/>
+            </a:pPr>
+            <a:r>
+              <a:rPr lang="en" sz="950"/>
+              <a:t>[1]. Justus Thies, Michael Zollhöfer, Marc Stamminger, Christian Theobalt, Matthias Nießner: Face2Face: Real-time Face Capture and Reenactment of RGB Videos. CoRR abs/2007.14808 (2020)</a:t>
+            </a:r>
+            <a:endParaRPr sz="950"/>
+          </a:p>
+          <a:p>
+            <a:pPr indent="0" lvl="0" marL="0" rtl="0" algn="l">
+              <a:lnSpc>
+                <a:spcPct val="100000"/>
+              </a:lnSpc>
+              <a:spcBef>
+                <a:spcPts val="0"/>
+              </a:spcBef>
+              <a:spcAft>
+                <a:spcPts val="0"/>
+              </a:spcAft>
+              <a:buNone/>
+            </a:pPr>
+            <a:r>
+              <a:rPr lang="en" sz="950"/>
+              <a:t>[2]. Supasorn Suwajanakorn, Steven M. Seitz, Ira Kemelmacher-Shlizerman: Synthesizing Obama: learning lip sync from audio. ACM Trans. Graph. 36(4): 95:1-95:13 (2017)</a:t>
+            </a:r>
+            <a:endParaRPr sz="950"/>
+          </a:p>
+          <a:p>
+            <a:pPr indent="0" lvl="0" marL="0" rtl="0" algn="l">
+              <a:lnSpc>
+                <a:spcPct val="100000"/>
+              </a:lnSpc>
+              <a:spcBef>
+                <a:spcPts val="0"/>
+              </a:spcBef>
+              <a:spcAft>
+                <a:spcPts val="0"/>
+              </a:spcAft>
+              <a:buNone/>
+            </a:pPr>
+            <a:r>
+              <a:rPr lang="en" sz="950"/>
+              <a:t>[3]. Albert Pumarola, Antonio Agudo, Aleix M. Martínez, Alberto Sanfeliu, Francesc Moreno-Noguer: GANimation: Anatomically-Aware Facial Animation from a Single Image. ECCV (10) 2018: 835-851</a:t>
+            </a:r>
+            <a:endParaRPr sz="950"/>
+          </a:p>
+          <a:p>
+            <a:pPr indent="0" lvl="0" marL="0" rtl="0" algn="l">
+              <a:lnSpc>
+                <a:spcPct val="100000"/>
+              </a:lnSpc>
+              <a:spcBef>
+                <a:spcPts val="0"/>
+              </a:spcBef>
+              <a:spcAft>
+                <a:spcPts val="0"/>
+              </a:spcAft>
+              <a:buNone/>
+            </a:pPr>
+            <a:r>
+              <a:rPr lang="en" sz="950"/>
+              <a:t>[4]. Yuval Nirkin, Yosi Keller, Tal Hassner: FSGAN: Subject Agnostic Face Swapping and Reenactment. ICCV 2019: 7183-7192</a:t>
+            </a:r>
+            <a:endParaRPr sz="950"/>
+          </a:p>
+          <a:p>
+            <a:pPr indent="0" lvl="0" marL="0" rtl="0" algn="l">
+              <a:lnSpc>
+                <a:spcPct val="100000"/>
+              </a:lnSpc>
+              <a:spcBef>
+                <a:spcPts val="0"/>
+              </a:spcBef>
+              <a:spcAft>
+                <a:spcPts val="0"/>
+              </a:spcAft>
+              <a:buNone/>
+            </a:pPr>
+            <a:r>
+              <a:rPr lang="en" sz="950"/>
+              <a:t>[5]. Wayne Wu, Yunxuan Zhang, Cheng Li, Chen Qian, Chen Change Loy: ReenactGAN: Learning to Reenact Faces via Boundary Transfer. ECCV (1) 2018: 622-638</a:t>
+            </a:r>
+            <a:endParaRPr sz="950"/>
+          </a:p>
+          <a:p>
+            <a:pPr indent="0" lvl="0" marL="0" rtl="0" algn="l">
+              <a:lnSpc>
+                <a:spcPct val="100000"/>
+              </a:lnSpc>
+              <a:spcBef>
+                <a:spcPts val="0"/>
+              </a:spcBef>
+              <a:spcAft>
+                <a:spcPts val="0"/>
+              </a:spcAft>
+              <a:buNone/>
+            </a:pPr>
+            <a:r>
+              <a:rPr lang="en" sz="950"/>
+              <a:t>[6]. Andreas Rössler, Davide Cozzolino, Luisa Verdoliva, Christian Riess, Justus Thies, Matthias Nießner: FaceForensics++: Learning to Detect Manipulated Facial Images. ICCV 2019: 1-11</a:t>
+            </a:r>
+            <a:endParaRPr sz="950"/>
+          </a:p>
+          <a:p>
+            <a:pPr indent="0" lvl="0" marL="0" rtl="0" algn="l">
+              <a:lnSpc>
+                <a:spcPct val="100000"/>
+              </a:lnSpc>
+              <a:spcBef>
+                <a:spcPts val="0"/>
+              </a:spcBef>
+              <a:spcAft>
+                <a:spcPts val="0"/>
+              </a:spcAft>
+              <a:buNone/>
+            </a:pPr>
+            <a:r>
+              <a:rPr lang="en" sz="950"/>
+              <a:t>[7]. Feng Wang, Weiyang Liu, Hanjun Dai, Haijun Liu, Jian Cheng: Additive Margin Softmax for Face Verification. ICLR (Workshop) 2018</a:t>
+            </a:r>
+            <a:endParaRPr sz="950"/>
+          </a:p>
+          <a:p>
+            <a:pPr indent="0" lvl="0" marL="0" rtl="0" algn="l">
+              <a:lnSpc>
+                <a:spcPct val="100000"/>
+              </a:lnSpc>
+              <a:spcBef>
+                <a:spcPts val="0"/>
+              </a:spcBef>
+              <a:spcAft>
+                <a:spcPts val="0"/>
+              </a:spcAft>
+              <a:buNone/>
+            </a:pPr>
+            <a:r>
+              <a:rPr lang="en" sz="950"/>
+              <a:t>[8]. Xin Yang, Yuezun Li, Siwei Lyu: Exposing Deep Fakes Using Inconsistent Head Poses. ICASSP 2019: 8261-8265</a:t>
+            </a:r>
+            <a:endParaRPr sz="950"/>
+          </a:p>
+          <a:p>
+            <a:pPr indent="0" lvl="0" marL="0" rtl="0" algn="l">
+              <a:lnSpc>
+                <a:spcPct val="100000"/>
+              </a:lnSpc>
+              <a:spcBef>
+                <a:spcPts val="0"/>
+              </a:spcBef>
+              <a:spcAft>
+                <a:spcPts val="0"/>
+              </a:spcAft>
+              <a:buNone/>
+            </a:pPr>
+            <a:r>
+              <a:rPr lang="en" sz="950"/>
+              <a:t>[9]. Yuezun Li, Ming-Ching Chang, Siwei Lyu: In Ictu Oculi: Exposing AI Created Fake Videos by Detecting Eye Blinking. WIFS 2018: 1-7</a:t>
+            </a:r>
+            <a:endParaRPr sz="950"/>
+          </a:p>
+          <a:p>
+            <a:pPr indent="0" lvl="0" marL="0" rtl="0" algn="l">
+              <a:lnSpc>
+                <a:spcPct val="100000"/>
+              </a:lnSpc>
+              <a:spcBef>
+                <a:spcPts val="0"/>
+              </a:spcBef>
+              <a:spcAft>
+                <a:spcPts val="0"/>
+              </a:spcAft>
+              <a:buNone/>
+            </a:pPr>
+            <a:r>
+              <a:rPr lang="en" sz="950"/>
+              <a:t>[10]. Lingzhi Li, Jianmin Bao, Ting Zhang, Hao Yang, Dong Chen, Fang Wen, Baining Guo: Face X-Ray for More General Face Forgery Detection. CVPR 2020: 5000-5009</a:t>
+            </a:r>
+            <a:endParaRPr sz="950"/>
+          </a:p>
+          <a:p>
+            <a:pPr indent="0" lvl="0" marL="0" rtl="0" algn="l">
+              <a:lnSpc>
+                <a:spcPct val="100000"/>
+              </a:lnSpc>
+              <a:spcBef>
+                <a:spcPts val="0"/>
+              </a:spcBef>
+              <a:spcAft>
+                <a:spcPts val="0"/>
+              </a:spcAft>
+              <a:buNone/>
+            </a:pPr>
+            <a:r>
+              <a:rPr lang="en" sz="950"/>
+              <a:t>[11]. Ashish Vaswani, Noam Shazeer, Niki Parmar, Jakob Uszkoreit, Llion Jones, Aidan N. Gomez, Lukasz Kaiser, Illia Polosukhin: Attention is All you Need. NIPS 2017: 5998-6008</a:t>
+            </a:r>
+            <a:endParaRPr sz="950"/>
+          </a:p>
+          <a:p>
+            <a:pPr indent="0" lvl="0" marL="0" rtl="0" algn="l">
+              <a:lnSpc>
+                <a:spcPct val="100000"/>
+              </a:lnSpc>
+              <a:spcBef>
+                <a:spcPts val="0"/>
+              </a:spcBef>
+              <a:spcAft>
+                <a:spcPts val="0"/>
+              </a:spcAft>
+              <a:buNone/>
+            </a:pPr>
+            <a:r>
+              <a:rPr lang="en" sz="950"/>
+              <a:t>[12]. Kai Han, Yunhe Wang, Hanting Chen, Xinghao Chen, Jianyuan Guo, Zhenhua Liu, Yehui Tang, An Xiao, Chunjing Xu, Yixing Xu, Zhaohui Yang, Yiman Zhang, Dacheng Tao: A Survey on Visual Transformer. CoRR abs/2012.12556 (2020)</a:t>
+            </a:r>
+            <a:endParaRPr sz="950"/>
+          </a:p>
+          <a:p>
+            <a:pPr indent="0" lvl="0" marL="0" rtl="0" algn="l">
+              <a:lnSpc>
+                <a:spcPct val="100000"/>
+              </a:lnSpc>
+              <a:spcBef>
+                <a:spcPts val="0"/>
+              </a:spcBef>
+              <a:spcAft>
+                <a:spcPts val="0"/>
+              </a:spcAft>
+              <a:buNone/>
+            </a:pPr>
+            <a:r>
+              <a:rPr lang="en" sz="950"/>
+              <a:t>[13]. Jacob Devlin, Ming-Wei Chang, Kenton Lee, Kristina Toutanova: BERT: Pre-training of Deep Bidirectional Transformers for Language Understanding. NAACL-HLT (1) 2019: 4171-4186</a:t>
+            </a:r>
+            <a:endParaRPr sz="950"/>
+          </a:p>
+          <a:p>
+            <a:pPr indent="0" lvl="0" marL="0" rtl="0" algn="l">
+              <a:lnSpc>
+                <a:spcPct val="100000"/>
+              </a:lnSpc>
+              <a:spcBef>
+                <a:spcPts val="0"/>
+              </a:spcBef>
+              <a:spcAft>
+                <a:spcPts val="0"/>
+              </a:spcAft>
+              <a:buNone/>
+            </a:pPr>
+            <a:r>
+              <a:rPr lang="en" sz="950"/>
+              <a:t>[14]. Heliang Zheng, Jianlong Fu, Tao Mei, Jiebo Luo: Learning Multi-attention Convolutional Neural Network for Fine-Grained Image Recognition. ICCV 2017: 5219-5227</a:t>
+            </a:r>
+            <a:endParaRPr sz="950"/>
+          </a:p>
+          <a:p>
+            <a:pPr indent="0" lvl="0" marL="0" rtl="0" algn="l">
+              <a:lnSpc>
+                <a:spcPct val="100000"/>
+              </a:lnSpc>
+              <a:spcBef>
+                <a:spcPts val="0"/>
+              </a:spcBef>
+              <a:spcAft>
+                <a:spcPts val="0"/>
+              </a:spcAft>
+              <a:buNone/>
+            </a:pPr>
+            <a:r>
+              <a:rPr lang="en" sz="950"/>
+              <a:t>[15]. Brian Dolhansky, Russ Howes, Ben Pflaum, Nicole Baram, Cristian Canton-Ferrer: The Deepfake Detection Challenge (DFDC) Preview Dataset. CoRR abs/1910.08854 (2019)</a:t>
+            </a:r>
+            <a:endParaRPr sz="950"/>
+          </a:p>
+          <a:p>
+            <a:pPr indent="0" lvl="0" marL="0" rtl="0" algn="l">
+              <a:lnSpc>
+                <a:spcPct val="100000"/>
+              </a:lnSpc>
+              <a:spcBef>
+                <a:spcPts val="0"/>
+              </a:spcBef>
+              <a:spcAft>
+                <a:spcPts val="0"/>
+              </a:spcAft>
+              <a:buNone/>
+            </a:pPr>
+            <a:r>
+              <a:rPr lang="en" sz="950"/>
+              <a:t>[16]. Yuezun Li, Xin Yang, Pu Sun, Honggang Qi, Siwei Lyu: Celeb-DF: A Large-Scale Challenging Dataset for DeepFake Forensics. CVPR 2020: 3204-3213</a:t>
+            </a:r>
+            <a:endParaRPr sz="950"/>
+          </a:p>
+          <a:p>
+            <a:pPr indent="0" lvl="0" marL="0" rtl="0" algn="l">
+              <a:lnSpc>
+                <a:spcPct val="100000"/>
+              </a:lnSpc>
+              <a:spcBef>
+                <a:spcPts val="0"/>
+              </a:spcBef>
+              <a:spcAft>
+                <a:spcPts val="0"/>
+              </a:spcAft>
+              <a:buNone/>
+            </a:pPr>
+            <a:r>
+              <a:rPr lang="en" sz="950"/>
+              <a:t>[17]. Andreas Rössler, Davide Cozzolino, Luisa Verdoliva, Christian Riess, Justus Thies, Matthias Nießner: FaceForensics++: Learning to Detect Manipulated Facial Images. ICCV 2019: 1-11</a:t>
+            </a:r>
+            <a:endParaRPr sz="950"/>
           </a:p>
         </p:txBody>
       </p:sp>
